--- a/Step06-Version_Control_System_speach.pptx
+++ b/Step06-Version_Control_System_speach.pptx
@@ -5,7 +5,7 @@
     <p:sldMasterId id="2147483648" r:id="rId1"/>
   </p:sldMasterIdLst>
   <p:notesMasterIdLst>
-    <p:notesMasterId r:id="rId17"/>
+    <p:notesMasterId r:id="rId26"/>
   </p:notesMasterIdLst>
   <p:sldIdLst>
     <p:sldId id="307" r:id="rId2"/>
@@ -23,6 +23,15 @@
     <p:sldId id="316" r:id="rId14"/>
     <p:sldId id="317" r:id="rId15"/>
     <p:sldId id="318" r:id="rId16"/>
+    <p:sldId id="319" r:id="rId17"/>
+    <p:sldId id="320" r:id="rId18"/>
+    <p:sldId id="321" r:id="rId19"/>
+    <p:sldId id="322" r:id="rId20"/>
+    <p:sldId id="323" r:id="rId21"/>
+    <p:sldId id="324" r:id="rId22"/>
+    <p:sldId id="325" r:id="rId23"/>
+    <p:sldId id="326" r:id="rId24"/>
+    <p:sldId id="327" r:id="rId25"/>
   </p:sldIdLst>
   <p:sldSz cx="12192000" cy="6858000"/>
   <p:notesSz cx="6858000" cy="9144000"/>
@@ -149,6 +158,15 @@
         <p14:section name="Git" id="{1021C18A-169D-4A32-A691-F7988524C800}">
           <p14:sldIdLst>
             <p14:sldId id="318"/>
+            <p14:sldId id="319"/>
+            <p14:sldId id="320"/>
+            <p14:sldId id="321"/>
+            <p14:sldId id="322"/>
+            <p14:sldId id="323"/>
+            <p14:sldId id="324"/>
+            <p14:sldId id="325"/>
+            <p14:sldId id="326"/>
+            <p14:sldId id="327"/>
           </p14:sldIdLst>
         </p14:section>
       </p14:sectionLst>
@@ -163,8 +181,7 @@
 <file path=ppt/revisionInfo.xml><?xml version="1.0" encoding="utf-8"?>
 <p1510:revInfo xmlns:a="http://schemas.openxmlformats.org/drawingml/2006/main" xmlns:r="http://schemas.openxmlformats.org/officeDocument/2006/relationships" xmlns:p1510="http://schemas.microsoft.com/office/powerpoint/2015/10/main">
   <p1510:revLst>
-    <p1510:client id="{0C8A6E1B-185E-41A2-9AF9-E290758567BE}" v="57" dt="2024-01-31T16:35:32.055"/>
-    <p1510:client id="{6E992857-9748-4C0F-AA63-95FC0898136C}" v="17" dt="2024-02-01T13:25:30.177"/>
+    <p1510:client id="{6E992857-9748-4C0F-AA63-95FC0898136C}" v="25" dt="2024-02-02T13:18:31.555"/>
   </p1510:revLst>
 </p1510:revInfo>
 </file>
@@ -7754,8 +7771,8 @@
   </pc:docChgLst>
   <pc:docChgLst>
     <pc:chgData name="Ihor Aleksandrov" userId="c3051032-6b87-4db2-b257-777a0106fbd9" providerId="ADAL" clId="{6E992857-9748-4C0F-AA63-95FC0898136C}"/>
-    <pc:docChg chg="custSel addSld delSld modSld sldOrd addSection delSection modSection">
-      <pc:chgData name="Ihor Aleksandrov" userId="c3051032-6b87-4db2-b257-777a0106fbd9" providerId="ADAL" clId="{6E992857-9748-4C0F-AA63-95FC0898136C}" dt="2024-02-01T13:25:41.334" v="150" actId="17846"/>
+    <pc:docChg chg="undo custSel addSld delSld modSld sldOrd addSection delSection modSection">
+      <pc:chgData name="Ihor Aleksandrov" userId="c3051032-6b87-4db2-b257-777a0106fbd9" providerId="ADAL" clId="{6E992857-9748-4C0F-AA63-95FC0898136C}" dt="2024-02-02T13:19:28.579" v="391" actId="1076"/>
       <pc:docMkLst>
         <pc:docMk/>
       </pc:docMkLst>
@@ -8571,6 +8588,61 @@
           <pc:sldMk cId="2111960273" sldId="318"/>
         </pc:sldMkLst>
       </pc:sldChg>
+      <pc:sldChg chg="addSp delSp modSp add mod setBg delDesignElem">
+        <pc:chgData name="Ihor Aleksandrov" userId="c3051032-6b87-4db2-b257-777a0106fbd9" providerId="ADAL" clId="{6E992857-9748-4C0F-AA63-95FC0898136C}" dt="2024-02-02T11:16:43.846" v="157" actId="1076"/>
+        <pc:sldMkLst>
+          <pc:docMk/>
+          <pc:sldMk cId="417898339" sldId="319"/>
+        </pc:sldMkLst>
+        <pc:spChg chg="mod">
+          <ac:chgData name="Ihor Aleksandrov" userId="c3051032-6b87-4db2-b257-777a0106fbd9" providerId="ADAL" clId="{6E992857-9748-4C0F-AA63-95FC0898136C}" dt="2024-02-02T11:16:26.014" v="153" actId="26606"/>
+          <ac:spMkLst>
+            <pc:docMk/>
+            <pc:sldMk cId="417898339" sldId="319"/>
+            <ac:spMk id="2" creationId="{53C5D828-9666-E312-B574-9FE965A7D6BE}"/>
+          </ac:spMkLst>
+        </pc:spChg>
+        <pc:spChg chg="mod ord">
+          <ac:chgData name="Ihor Aleksandrov" userId="c3051032-6b87-4db2-b257-777a0106fbd9" providerId="ADAL" clId="{6E992857-9748-4C0F-AA63-95FC0898136C}" dt="2024-02-02T11:16:26.014" v="153" actId="26606"/>
+          <ac:spMkLst>
+            <pc:docMk/>
+            <pc:sldMk cId="417898339" sldId="319"/>
+            <ac:spMk id="3" creationId="{5AA19FA0-A765-8169-03F1-928E3EF7B595}"/>
+          </ac:spMkLst>
+        </pc:spChg>
+        <pc:spChg chg="add mod">
+          <ac:chgData name="Ihor Aleksandrov" userId="c3051032-6b87-4db2-b257-777a0106fbd9" providerId="ADAL" clId="{6E992857-9748-4C0F-AA63-95FC0898136C}" dt="2024-02-02T11:16:43.846" v="157" actId="1076"/>
+          <ac:spMkLst>
+            <pc:docMk/>
+            <pc:sldMk cId="417898339" sldId="319"/>
+            <ac:spMk id="5" creationId="{9FA1A01F-C811-D56D-5B3C-FE963C68424E}"/>
+          </ac:spMkLst>
+        </pc:spChg>
+        <pc:spChg chg="add">
+          <ac:chgData name="Ihor Aleksandrov" userId="c3051032-6b87-4db2-b257-777a0106fbd9" providerId="ADAL" clId="{6E992857-9748-4C0F-AA63-95FC0898136C}" dt="2024-02-02T11:16:26.014" v="153" actId="26606"/>
+          <ac:spMkLst>
+            <pc:docMk/>
+            <pc:sldMk cId="417898339" sldId="319"/>
+            <ac:spMk id="11" creationId="{D4771268-CB57-404A-9271-370EB28F6090}"/>
+          </ac:spMkLst>
+        </pc:spChg>
+        <pc:spChg chg="del">
+          <ac:chgData name="Ihor Aleksandrov" userId="c3051032-6b87-4db2-b257-777a0106fbd9" providerId="ADAL" clId="{6E992857-9748-4C0F-AA63-95FC0898136C}" dt="2024-02-02T11:16:22.731" v="152"/>
+          <ac:spMkLst>
+            <pc:docMk/>
+            <pc:sldMk cId="417898339" sldId="319"/>
+            <ac:spMk id="24" creationId="{D4771268-CB57-404A-9271-370EB28F6090}"/>
+          </ac:spMkLst>
+        </pc:spChg>
+        <pc:picChg chg="mod">
+          <ac:chgData name="Ihor Aleksandrov" userId="c3051032-6b87-4db2-b257-777a0106fbd9" providerId="ADAL" clId="{6E992857-9748-4C0F-AA63-95FC0898136C}" dt="2024-02-02T11:16:31.678" v="155" actId="1076"/>
+          <ac:picMkLst>
+            <pc:docMk/>
+            <pc:sldMk cId="417898339" sldId="319"/>
+            <ac:picMk id="6" creationId="{0C9E6090-2EB5-167B-69B1-29BC280B19FF}"/>
+          </ac:picMkLst>
+        </pc:picChg>
+      </pc:sldChg>
       <pc:sldChg chg="del">
         <pc:chgData name="Ihor Aleksandrov" userId="c3051032-6b87-4db2-b257-777a0106fbd9" providerId="ADAL" clId="{6E992857-9748-4C0F-AA63-95FC0898136C}" dt="2024-02-01T12:45:29.416" v="11" actId="2696"/>
         <pc:sldMkLst>
@@ -8585,6 +8657,61 @@
           <pc:sldMk cId="1361347956" sldId="320"/>
         </pc:sldMkLst>
       </pc:sldChg>
+      <pc:sldChg chg="addSp delSp modSp add mod setBg delDesignElem">
+        <pc:chgData name="Ihor Aleksandrov" userId="c3051032-6b87-4db2-b257-777a0106fbd9" providerId="ADAL" clId="{6E992857-9748-4C0F-AA63-95FC0898136C}" dt="2024-02-02T11:21:23.613" v="168" actId="1076"/>
+        <pc:sldMkLst>
+          <pc:docMk/>
+          <pc:sldMk cId="2689025171" sldId="320"/>
+        </pc:sldMkLst>
+        <pc:spChg chg="mod">
+          <ac:chgData name="Ihor Aleksandrov" userId="c3051032-6b87-4db2-b257-777a0106fbd9" providerId="ADAL" clId="{6E992857-9748-4C0F-AA63-95FC0898136C}" dt="2024-02-02T11:20:56.997" v="160" actId="26606"/>
+          <ac:spMkLst>
+            <pc:docMk/>
+            <pc:sldMk cId="2689025171" sldId="320"/>
+            <ac:spMk id="2" creationId="{53C5D828-9666-E312-B574-9FE965A7D6BE}"/>
+          </ac:spMkLst>
+        </pc:spChg>
+        <pc:spChg chg="mod ord">
+          <ac:chgData name="Ihor Aleksandrov" userId="c3051032-6b87-4db2-b257-777a0106fbd9" providerId="ADAL" clId="{6E992857-9748-4C0F-AA63-95FC0898136C}" dt="2024-02-02T11:20:56.997" v="160" actId="26606"/>
+          <ac:spMkLst>
+            <pc:docMk/>
+            <pc:sldMk cId="2689025171" sldId="320"/>
+            <ac:spMk id="3" creationId="{5AA19FA0-A765-8169-03F1-928E3EF7B595}"/>
+          </ac:spMkLst>
+        </pc:spChg>
+        <pc:spChg chg="add mod">
+          <ac:chgData name="Ihor Aleksandrov" userId="c3051032-6b87-4db2-b257-777a0106fbd9" providerId="ADAL" clId="{6E992857-9748-4C0F-AA63-95FC0898136C}" dt="2024-02-02T11:21:23.613" v="168" actId="1076"/>
+          <ac:spMkLst>
+            <pc:docMk/>
+            <pc:sldMk cId="2689025171" sldId="320"/>
+            <ac:spMk id="6" creationId="{5B679D01-ED6A-0156-92B4-458502C859D4}"/>
+          </ac:spMkLst>
+        </pc:spChg>
+        <pc:spChg chg="add">
+          <ac:chgData name="Ihor Aleksandrov" userId="c3051032-6b87-4db2-b257-777a0106fbd9" providerId="ADAL" clId="{6E992857-9748-4C0F-AA63-95FC0898136C}" dt="2024-02-02T11:20:56.997" v="160" actId="26606"/>
+          <ac:spMkLst>
+            <pc:docMk/>
+            <pc:sldMk cId="2689025171" sldId="320"/>
+            <ac:spMk id="10" creationId="{D4771268-CB57-404A-9271-370EB28F6090}"/>
+          </ac:spMkLst>
+        </pc:spChg>
+        <pc:spChg chg="del">
+          <ac:chgData name="Ihor Aleksandrov" userId="c3051032-6b87-4db2-b257-777a0106fbd9" providerId="ADAL" clId="{6E992857-9748-4C0F-AA63-95FC0898136C}" dt="2024-02-02T11:20:53.243" v="159"/>
+          <ac:spMkLst>
+            <pc:docMk/>
+            <pc:sldMk cId="2689025171" sldId="320"/>
+            <ac:spMk id="24" creationId="{D4771268-CB57-404A-9271-370EB28F6090}"/>
+          </ac:spMkLst>
+        </pc:spChg>
+        <pc:picChg chg="mod">
+          <ac:chgData name="Ihor Aleksandrov" userId="c3051032-6b87-4db2-b257-777a0106fbd9" providerId="ADAL" clId="{6E992857-9748-4C0F-AA63-95FC0898136C}" dt="2024-02-02T11:21:13.724" v="166" actId="1076"/>
+          <ac:picMkLst>
+            <pc:docMk/>
+            <pc:sldMk cId="2689025171" sldId="320"/>
+            <ac:picMk id="5" creationId="{323F2EC2-F203-FEDB-F7E0-AE9C8F083AFF}"/>
+          </ac:picMkLst>
+        </pc:picChg>
+      </pc:sldChg>
       <pc:sldChg chg="del">
         <pc:chgData name="Ihor Aleksandrov" userId="c3051032-6b87-4db2-b257-777a0106fbd9" providerId="ADAL" clId="{6E992857-9748-4C0F-AA63-95FC0898136C}" dt="2024-02-01T12:45:29.416" v="11" actId="2696"/>
         <pc:sldMkLst>
@@ -8592,6 +8719,77 @@
           <pc:sldMk cId="1540168670" sldId="321"/>
         </pc:sldMkLst>
       </pc:sldChg>
+      <pc:sldChg chg="addSp delSp modSp add mod setBg delDesignElem">
+        <pc:chgData name="Ihor Aleksandrov" userId="c3051032-6b87-4db2-b257-777a0106fbd9" providerId="ADAL" clId="{6E992857-9748-4C0F-AA63-95FC0898136C}" dt="2024-02-02T12:54:10.380" v="180" actId="14100"/>
+        <pc:sldMkLst>
+          <pc:docMk/>
+          <pc:sldMk cId="3962432003" sldId="321"/>
+        </pc:sldMkLst>
+        <pc:spChg chg="mod ord">
+          <ac:chgData name="Ihor Aleksandrov" userId="c3051032-6b87-4db2-b257-777a0106fbd9" providerId="ADAL" clId="{6E992857-9748-4C0F-AA63-95FC0898136C}" dt="2024-02-02T12:53:02.696" v="171" actId="26606"/>
+          <ac:spMkLst>
+            <pc:docMk/>
+            <pc:sldMk cId="3962432003" sldId="321"/>
+            <ac:spMk id="2" creationId="{53C5D828-9666-E312-B574-9FE965A7D6BE}"/>
+          </ac:spMkLst>
+        </pc:spChg>
+        <pc:spChg chg="mod ord">
+          <ac:chgData name="Ihor Aleksandrov" userId="c3051032-6b87-4db2-b257-777a0106fbd9" providerId="ADAL" clId="{6E992857-9748-4C0F-AA63-95FC0898136C}" dt="2024-02-02T12:53:02.696" v="171" actId="26606"/>
+          <ac:spMkLst>
+            <pc:docMk/>
+            <pc:sldMk cId="3962432003" sldId="321"/>
+            <ac:spMk id="3" creationId="{5AA19FA0-A765-8169-03F1-928E3EF7B595}"/>
+          </ac:spMkLst>
+        </pc:spChg>
+        <pc:spChg chg="add mod">
+          <ac:chgData name="Ihor Aleksandrov" userId="c3051032-6b87-4db2-b257-777a0106fbd9" providerId="ADAL" clId="{6E992857-9748-4C0F-AA63-95FC0898136C}" dt="2024-02-02T12:53:54.566" v="176" actId="1076"/>
+          <ac:spMkLst>
+            <pc:docMk/>
+            <pc:sldMk cId="3962432003" sldId="321"/>
+            <ac:spMk id="5" creationId="{173F6DE2-4250-2CA0-3771-BAE09E72FC63}"/>
+          </ac:spMkLst>
+        </pc:spChg>
+        <pc:spChg chg="add mod">
+          <ac:chgData name="Ihor Aleksandrov" userId="c3051032-6b87-4db2-b257-777a0106fbd9" providerId="ADAL" clId="{6E992857-9748-4C0F-AA63-95FC0898136C}" dt="2024-02-02T12:54:10.380" v="180" actId="14100"/>
+          <ac:spMkLst>
+            <pc:docMk/>
+            <pc:sldMk cId="3962432003" sldId="321"/>
+            <ac:spMk id="9" creationId="{31645640-D090-1CF6-AC28-1291140013C3}"/>
+          </ac:spMkLst>
+        </pc:spChg>
+        <pc:spChg chg="add">
+          <ac:chgData name="Ihor Aleksandrov" userId="c3051032-6b87-4db2-b257-777a0106fbd9" providerId="ADAL" clId="{6E992857-9748-4C0F-AA63-95FC0898136C}" dt="2024-02-02T12:53:02.696" v="171" actId="26606"/>
+          <ac:spMkLst>
+            <pc:docMk/>
+            <pc:sldMk cId="3962432003" sldId="321"/>
+            <ac:spMk id="13" creationId="{D4771268-CB57-404A-9271-370EB28F6090}"/>
+          </ac:spMkLst>
+        </pc:spChg>
+        <pc:spChg chg="del">
+          <ac:chgData name="Ihor Aleksandrov" userId="c3051032-6b87-4db2-b257-777a0106fbd9" providerId="ADAL" clId="{6E992857-9748-4C0F-AA63-95FC0898136C}" dt="2024-02-02T12:52:59.442" v="170"/>
+          <ac:spMkLst>
+            <pc:docMk/>
+            <pc:sldMk cId="3962432003" sldId="321"/>
+            <ac:spMk id="24" creationId="{D4771268-CB57-404A-9271-370EB28F6090}"/>
+          </ac:spMkLst>
+        </pc:spChg>
+        <pc:picChg chg="mod">
+          <ac:chgData name="Ihor Aleksandrov" userId="c3051032-6b87-4db2-b257-777a0106fbd9" providerId="ADAL" clId="{6E992857-9748-4C0F-AA63-95FC0898136C}" dt="2024-02-02T12:53:21.998" v="174" actId="1076"/>
+          <ac:picMkLst>
+            <pc:docMk/>
+            <pc:sldMk cId="3962432003" sldId="321"/>
+            <ac:picMk id="6" creationId="{6CE0DC01-884F-14E9-19A9-BFE03913D4A5}"/>
+          </ac:picMkLst>
+        </pc:picChg>
+        <pc:picChg chg="mod">
+          <ac:chgData name="Ihor Aleksandrov" userId="c3051032-6b87-4db2-b257-777a0106fbd9" providerId="ADAL" clId="{6E992857-9748-4C0F-AA63-95FC0898136C}" dt="2024-02-02T12:53:21.998" v="174" actId="1076"/>
+          <ac:picMkLst>
+            <pc:docMk/>
+            <pc:sldMk cId="3962432003" sldId="321"/>
+            <ac:picMk id="8" creationId="{E4C6AC16-EBCB-F04F-FB78-E9853A14796C}"/>
+          </ac:picMkLst>
+        </pc:picChg>
+      </pc:sldChg>
       <pc:sldChg chg="del">
         <pc:chgData name="Ihor Aleksandrov" userId="c3051032-6b87-4db2-b257-777a0106fbd9" providerId="ADAL" clId="{6E992857-9748-4C0F-AA63-95FC0898136C}" dt="2024-02-01T12:45:29.416" v="11" actId="2696"/>
         <pc:sldMkLst>
@@ -8599,6 +8797,211 @@
           <pc:sldMk cId="1092589088" sldId="322"/>
         </pc:sldMkLst>
       </pc:sldChg>
+      <pc:sldChg chg="addSp delSp modSp add mod">
+        <pc:chgData name="Ihor Aleksandrov" userId="c3051032-6b87-4db2-b257-777a0106fbd9" providerId="ADAL" clId="{6E992857-9748-4C0F-AA63-95FC0898136C}" dt="2024-02-02T13:05:33.570" v="263" actId="21"/>
+        <pc:sldMkLst>
+          <pc:docMk/>
+          <pc:sldMk cId="2124212909" sldId="322"/>
+        </pc:sldMkLst>
+        <pc:spChg chg="mod">
+          <ac:chgData name="Ihor Aleksandrov" userId="c3051032-6b87-4db2-b257-777a0106fbd9" providerId="ADAL" clId="{6E992857-9748-4C0F-AA63-95FC0898136C}" dt="2024-02-02T12:56:34.652" v="200" actId="20577"/>
+          <ac:spMkLst>
+            <pc:docMk/>
+            <pc:sldMk cId="2124212909" sldId="322"/>
+            <ac:spMk id="2" creationId="{53C5D828-9666-E312-B574-9FE965A7D6BE}"/>
+          </ac:spMkLst>
+        </pc:spChg>
+        <pc:spChg chg="del">
+          <ac:chgData name="Ihor Aleksandrov" userId="c3051032-6b87-4db2-b257-777a0106fbd9" providerId="ADAL" clId="{6E992857-9748-4C0F-AA63-95FC0898136C}" dt="2024-02-02T12:56:19.112" v="182" actId="478"/>
+          <ac:spMkLst>
+            <pc:docMk/>
+            <pc:sldMk cId="2124212909" sldId="322"/>
+            <ac:spMk id="5" creationId="{173F6DE2-4250-2CA0-3771-BAE09E72FC63}"/>
+          </ac:spMkLst>
+        </pc:spChg>
+        <pc:spChg chg="add mod">
+          <ac:chgData name="Ihor Aleksandrov" userId="c3051032-6b87-4db2-b257-777a0106fbd9" providerId="ADAL" clId="{6E992857-9748-4C0F-AA63-95FC0898136C}" dt="2024-02-02T13:00:42.551" v="246" actId="1076"/>
+          <ac:spMkLst>
+            <pc:docMk/>
+            <pc:sldMk cId="2124212909" sldId="322"/>
+            <ac:spMk id="7" creationId="{BD40609F-3B53-E3D5-6DBD-6BD14D70FB5B}"/>
+          </ac:spMkLst>
+        </pc:spChg>
+        <pc:spChg chg="del">
+          <ac:chgData name="Ihor Aleksandrov" userId="c3051032-6b87-4db2-b257-777a0106fbd9" providerId="ADAL" clId="{6E992857-9748-4C0F-AA63-95FC0898136C}" dt="2024-02-02T12:56:22.272" v="183" actId="478"/>
+          <ac:spMkLst>
+            <pc:docMk/>
+            <pc:sldMk cId="2124212909" sldId="322"/>
+            <ac:spMk id="9" creationId="{31645640-D090-1CF6-AC28-1291140013C3}"/>
+          </ac:spMkLst>
+        </pc:spChg>
+        <pc:spChg chg="add mod">
+          <ac:chgData name="Ihor Aleksandrov" userId="c3051032-6b87-4db2-b257-777a0106fbd9" providerId="ADAL" clId="{6E992857-9748-4C0F-AA63-95FC0898136C}" dt="2024-02-02T13:00:44.996" v="247" actId="1076"/>
+          <ac:spMkLst>
+            <pc:docMk/>
+            <pc:sldMk cId="2124212909" sldId="322"/>
+            <ac:spMk id="11" creationId="{624893BC-9ECB-7E39-73DD-2E2723E1BA6D}"/>
+          </ac:spMkLst>
+        </pc:spChg>
+        <pc:spChg chg="add mod">
+          <ac:chgData name="Ihor Aleksandrov" userId="c3051032-6b87-4db2-b257-777a0106fbd9" providerId="ADAL" clId="{6E992857-9748-4C0F-AA63-95FC0898136C}" dt="2024-02-02T13:00:47.471" v="248" actId="1076"/>
+          <ac:spMkLst>
+            <pc:docMk/>
+            <pc:sldMk cId="2124212909" sldId="322"/>
+            <ac:spMk id="14" creationId="{448288B6-9DA8-F9ED-E41E-183AEE2089E6}"/>
+          </ac:spMkLst>
+        </pc:spChg>
+        <pc:spChg chg="add mod">
+          <ac:chgData name="Ihor Aleksandrov" userId="c3051032-6b87-4db2-b257-777a0106fbd9" providerId="ADAL" clId="{6E992857-9748-4C0F-AA63-95FC0898136C}" dt="2024-02-02T13:00:50.388" v="249" actId="1076"/>
+          <ac:spMkLst>
+            <pc:docMk/>
+            <pc:sldMk cId="2124212909" sldId="322"/>
+            <ac:spMk id="16" creationId="{5B604DDD-3DCD-F0B4-0ED7-D08F29CD1A1A}"/>
+          </ac:spMkLst>
+        </pc:spChg>
+        <pc:spChg chg="add mod">
+          <ac:chgData name="Ihor Aleksandrov" userId="c3051032-6b87-4db2-b257-777a0106fbd9" providerId="ADAL" clId="{6E992857-9748-4C0F-AA63-95FC0898136C}" dt="2024-02-02T13:00:53.012" v="250" actId="1076"/>
+          <ac:spMkLst>
+            <pc:docMk/>
+            <pc:sldMk cId="2124212909" sldId="322"/>
+            <ac:spMk id="18" creationId="{3E55FD3C-0801-8952-32F0-19249F772CA3}"/>
+          </ac:spMkLst>
+        </pc:spChg>
+        <pc:spChg chg="add mod">
+          <ac:chgData name="Ihor Aleksandrov" userId="c3051032-6b87-4db2-b257-777a0106fbd9" providerId="ADAL" clId="{6E992857-9748-4C0F-AA63-95FC0898136C}" dt="2024-02-02T13:00:56.760" v="251" actId="1076"/>
+          <ac:spMkLst>
+            <pc:docMk/>
+            <pc:sldMk cId="2124212909" sldId="322"/>
+            <ac:spMk id="20" creationId="{2BA5BC39-E346-F4AF-FB79-2F138A7F6486}"/>
+          </ac:spMkLst>
+        </pc:spChg>
+        <pc:spChg chg="add mod">
+          <ac:chgData name="Ihor Aleksandrov" userId="c3051032-6b87-4db2-b257-777a0106fbd9" providerId="ADAL" clId="{6E992857-9748-4C0F-AA63-95FC0898136C}" dt="2024-02-02T13:00:59.954" v="252" actId="1076"/>
+          <ac:spMkLst>
+            <pc:docMk/>
+            <pc:sldMk cId="2124212909" sldId="322"/>
+            <ac:spMk id="22" creationId="{DE48C320-49F2-D75A-D37E-F966C2B1080E}"/>
+          </ac:spMkLst>
+        </pc:spChg>
+        <pc:spChg chg="add mod">
+          <ac:chgData name="Ihor Aleksandrov" userId="c3051032-6b87-4db2-b257-777a0106fbd9" providerId="ADAL" clId="{6E992857-9748-4C0F-AA63-95FC0898136C}" dt="2024-02-02T13:01:03.617" v="253" actId="1076"/>
+          <ac:spMkLst>
+            <pc:docMk/>
+            <pc:sldMk cId="2124212909" sldId="322"/>
+            <ac:spMk id="24" creationId="{6C9F260D-880E-DA55-3381-CE83A26838B3}"/>
+          </ac:spMkLst>
+        </pc:spChg>
+        <pc:spChg chg="add mod">
+          <ac:chgData name="Ihor Aleksandrov" userId="c3051032-6b87-4db2-b257-777a0106fbd9" providerId="ADAL" clId="{6E992857-9748-4C0F-AA63-95FC0898136C}" dt="2024-02-02T13:01:34.103" v="257" actId="14100"/>
+          <ac:spMkLst>
+            <pc:docMk/>
+            <pc:sldMk cId="2124212909" sldId="322"/>
+            <ac:spMk id="26" creationId="{717BD33F-83FE-2517-7689-C6257D59DAE0}"/>
+          </ac:spMkLst>
+        </pc:spChg>
+        <pc:spChg chg="add mod">
+          <ac:chgData name="Ihor Aleksandrov" userId="c3051032-6b87-4db2-b257-777a0106fbd9" providerId="ADAL" clId="{6E992857-9748-4C0F-AA63-95FC0898136C}" dt="2024-02-02T13:01:52.129" v="261" actId="1076"/>
+          <ac:spMkLst>
+            <pc:docMk/>
+            <pc:sldMk cId="2124212909" sldId="322"/>
+            <ac:spMk id="28" creationId="{11070A26-BC7B-5F50-4172-0777912036CC}"/>
+          </ac:spMkLst>
+        </pc:spChg>
+        <pc:spChg chg="add del mod">
+          <ac:chgData name="Ihor Aleksandrov" userId="c3051032-6b87-4db2-b257-777a0106fbd9" providerId="ADAL" clId="{6E992857-9748-4C0F-AA63-95FC0898136C}" dt="2024-02-02T13:05:33.570" v="263" actId="21"/>
+          <ac:spMkLst>
+            <pc:docMk/>
+            <pc:sldMk cId="2124212909" sldId="322"/>
+            <ac:spMk id="29" creationId="{31AEC6B5-AB4E-DAA7-AD75-295113CC76AB}"/>
+          </ac:spMkLst>
+        </pc:spChg>
+        <pc:picChg chg="del">
+          <ac:chgData name="Ihor Aleksandrov" userId="c3051032-6b87-4db2-b257-777a0106fbd9" providerId="ADAL" clId="{6E992857-9748-4C0F-AA63-95FC0898136C}" dt="2024-02-02T12:56:23.793" v="184" actId="478"/>
+          <ac:picMkLst>
+            <pc:docMk/>
+            <pc:sldMk cId="2124212909" sldId="322"/>
+            <ac:picMk id="6" creationId="{6CE0DC01-884F-14E9-19A9-BFE03913D4A5}"/>
+          </ac:picMkLst>
+        </pc:picChg>
+        <pc:picChg chg="del">
+          <ac:chgData name="Ihor Aleksandrov" userId="c3051032-6b87-4db2-b257-777a0106fbd9" providerId="ADAL" clId="{6E992857-9748-4C0F-AA63-95FC0898136C}" dt="2024-02-02T12:56:24.614" v="185" actId="478"/>
+          <ac:picMkLst>
+            <pc:docMk/>
+            <pc:sldMk cId="2124212909" sldId="322"/>
+            <ac:picMk id="8" creationId="{E4C6AC16-EBCB-F04F-FB78-E9853A14796C}"/>
+          </ac:picMkLst>
+        </pc:picChg>
+      </pc:sldChg>
+      <pc:sldChg chg="addSp delSp modSp add mod ord">
+        <pc:chgData name="Ihor Aleksandrov" userId="c3051032-6b87-4db2-b257-777a0106fbd9" providerId="ADAL" clId="{6E992857-9748-4C0F-AA63-95FC0898136C}" dt="2024-02-02T13:06:40.583" v="291" actId="313"/>
+        <pc:sldMkLst>
+          <pc:docMk/>
+          <pc:sldMk cId="526545511" sldId="323"/>
+        </pc:sldMkLst>
+        <pc:spChg chg="mod">
+          <ac:chgData name="Ihor Aleksandrov" userId="c3051032-6b87-4db2-b257-777a0106fbd9" providerId="ADAL" clId="{6E992857-9748-4C0F-AA63-95FC0898136C}" dt="2024-02-02T13:06:40.583" v="291" actId="313"/>
+          <ac:spMkLst>
+            <pc:docMk/>
+            <pc:sldMk cId="526545511" sldId="323"/>
+            <ac:spMk id="2" creationId="{53C5D828-9666-E312-B574-9FE965A7D6BE}"/>
+          </ac:spMkLst>
+        </pc:spChg>
+        <pc:spChg chg="del">
+          <ac:chgData name="Ihor Aleksandrov" userId="c3051032-6b87-4db2-b257-777a0106fbd9" providerId="ADAL" clId="{6E992857-9748-4C0F-AA63-95FC0898136C}" dt="2024-02-02T13:05:57.998" v="272" actId="478"/>
+          <ac:spMkLst>
+            <pc:docMk/>
+            <pc:sldMk cId="526545511" sldId="323"/>
+            <ac:spMk id="5" creationId="{173F6DE2-4250-2CA0-3771-BAE09E72FC63}"/>
+          </ac:spMkLst>
+        </pc:spChg>
+        <pc:spChg chg="add mod">
+          <ac:chgData name="Ihor Aleksandrov" userId="c3051032-6b87-4db2-b257-777a0106fbd9" providerId="ADAL" clId="{6E992857-9748-4C0F-AA63-95FC0898136C}" dt="2024-02-02T13:06:20.254" v="286" actId="1076"/>
+          <ac:spMkLst>
+            <pc:docMk/>
+            <pc:sldMk cId="526545511" sldId="323"/>
+            <ac:spMk id="7" creationId="{97777EB2-12FA-074D-1007-FF7343BDF33D}"/>
+          </ac:spMkLst>
+        </pc:spChg>
+        <pc:spChg chg="del">
+          <ac:chgData name="Ihor Aleksandrov" userId="c3051032-6b87-4db2-b257-777a0106fbd9" providerId="ADAL" clId="{6E992857-9748-4C0F-AA63-95FC0898136C}" dt="2024-02-02T13:05:55.728" v="271" actId="478"/>
+          <ac:spMkLst>
+            <pc:docMk/>
+            <pc:sldMk cId="526545511" sldId="323"/>
+            <ac:spMk id="9" creationId="{31645640-D090-1CF6-AC28-1291140013C3}"/>
+          </ac:spMkLst>
+        </pc:spChg>
+        <pc:spChg chg="add mod">
+          <ac:chgData name="Ihor Aleksandrov" userId="c3051032-6b87-4db2-b257-777a0106fbd9" providerId="ADAL" clId="{6E992857-9748-4C0F-AA63-95FC0898136C}" dt="2024-02-02T13:06:37.900" v="290" actId="14100"/>
+          <ac:spMkLst>
+            <pc:docMk/>
+            <pc:sldMk cId="526545511" sldId="323"/>
+            <ac:spMk id="11" creationId="{BA2092DE-7EFF-D3A4-01AB-E662869D481E}"/>
+          </ac:spMkLst>
+        </pc:spChg>
+        <pc:picChg chg="del">
+          <ac:chgData name="Ihor Aleksandrov" userId="c3051032-6b87-4db2-b257-777a0106fbd9" providerId="ADAL" clId="{6E992857-9748-4C0F-AA63-95FC0898136C}" dt="2024-02-02T13:05:49.872" v="269" actId="478"/>
+          <ac:picMkLst>
+            <pc:docMk/>
+            <pc:sldMk cId="526545511" sldId="323"/>
+            <ac:picMk id="6" creationId="{6CE0DC01-884F-14E9-19A9-BFE03913D4A5}"/>
+          </ac:picMkLst>
+        </pc:picChg>
+        <pc:picChg chg="del">
+          <ac:chgData name="Ihor Aleksandrov" userId="c3051032-6b87-4db2-b257-777a0106fbd9" providerId="ADAL" clId="{6E992857-9748-4C0F-AA63-95FC0898136C}" dt="2024-02-02T13:05:52.503" v="270" actId="478"/>
+          <ac:picMkLst>
+            <pc:docMk/>
+            <pc:sldMk cId="526545511" sldId="323"/>
+            <ac:picMk id="8" creationId="{E4C6AC16-EBCB-F04F-FB78-E9853A14796C}"/>
+          </ac:picMkLst>
+        </pc:picChg>
+      </pc:sldChg>
+      <pc:sldChg chg="add del">
+        <pc:chgData name="Ihor Aleksandrov" userId="c3051032-6b87-4db2-b257-777a0106fbd9" providerId="ADAL" clId="{6E992857-9748-4C0F-AA63-95FC0898136C}" dt="2024-02-02T13:05:41.720" v="265" actId="2890"/>
+        <pc:sldMkLst>
+          <pc:docMk/>
+          <pc:sldMk cId="2002248846" sldId="323"/>
+        </pc:sldMkLst>
+      </pc:sldChg>
       <pc:sldChg chg="del">
         <pc:chgData name="Ihor Aleksandrov" userId="c3051032-6b87-4db2-b257-777a0106fbd9" providerId="ADAL" clId="{6E992857-9748-4C0F-AA63-95FC0898136C}" dt="2024-02-01T12:45:29.416" v="11" actId="2696"/>
         <pc:sldMkLst>
@@ -8613,12 +9016,280 @@
           <pc:sldMk cId="955539517" sldId="324"/>
         </pc:sldMkLst>
       </pc:sldChg>
+      <pc:sldChg chg="addSp delSp modSp add mod">
+        <pc:chgData name="Ihor Aleksandrov" userId="c3051032-6b87-4db2-b257-777a0106fbd9" providerId="ADAL" clId="{6E992857-9748-4C0F-AA63-95FC0898136C}" dt="2024-02-02T13:08:42.192" v="303" actId="20577"/>
+        <pc:sldMkLst>
+          <pc:docMk/>
+          <pc:sldMk cId="1313150803" sldId="324"/>
+        </pc:sldMkLst>
+        <pc:spChg chg="mod">
+          <ac:chgData name="Ihor Aleksandrov" userId="c3051032-6b87-4db2-b257-777a0106fbd9" providerId="ADAL" clId="{6E992857-9748-4C0F-AA63-95FC0898136C}" dt="2024-02-02T13:08:08.418" v="293"/>
+          <ac:spMkLst>
+            <pc:docMk/>
+            <pc:sldMk cId="1313150803" sldId="324"/>
+            <ac:spMk id="2" creationId="{53C5D828-9666-E312-B574-9FE965A7D6BE}"/>
+          </ac:spMkLst>
+        </pc:spChg>
+        <pc:spChg chg="add mod">
+          <ac:chgData name="Ihor Aleksandrov" userId="c3051032-6b87-4db2-b257-777a0106fbd9" providerId="ADAL" clId="{6E992857-9748-4C0F-AA63-95FC0898136C}" dt="2024-02-02T13:08:25.793" v="298" actId="1076"/>
+          <ac:spMkLst>
+            <pc:docMk/>
+            <pc:sldMk cId="1313150803" sldId="324"/>
+            <ac:spMk id="5" creationId="{EAF8ED62-DEB2-772E-4D77-B5E4BECADC24}"/>
+          </ac:spMkLst>
+        </pc:spChg>
+        <pc:spChg chg="del">
+          <ac:chgData name="Ihor Aleksandrov" userId="c3051032-6b87-4db2-b257-777a0106fbd9" providerId="ADAL" clId="{6E992857-9748-4C0F-AA63-95FC0898136C}" dt="2024-02-02T13:08:11.191" v="294" actId="478"/>
+          <ac:spMkLst>
+            <pc:docMk/>
+            <pc:sldMk cId="1313150803" sldId="324"/>
+            <ac:spMk id="7" creationId="{97777EB2-12FA-074D-1007-FF7343BDF33D}"/>
+          </ac:spMkLst>
+        </pc:spChg>
+        <pc:spChg chg="add mod">
+          <ac:chgData name="Ihor Aleksandrov" userId="c3051032-6b87-4db2-b257-777a0106fbd9" providerId="ADAL" clId="{6E992857-9748-4C0F-AA63-95FC0898136C}" dt="2024-02-02T13:08:42.192" v="303" actId="20577"/>
+          <ac:spMkLst>
+            <pc:docMk/>
+            <pc:sldMk cId="1313150803" sldId="324"/>
+            <ac:spMk id="8" creationId="{FD5A716E-9DF6-0109-1148-63B896E40EC0}"/>
+          </ac:spMkLst>
+        </pc:spChg>
+        <pc:spChg chg="del">
+          <ac:chgData name="Ihor Aleksandrov" userId="c3051032-6b87-4db2-b257-777a0106fbd9" providerId="ADAL" clId="{6E992857-9748-4C0F-AA63-95FC0898136C}" dt="2024-02-02T13:08:12.617" v="295" actId="478"/>
+          <ac:spMkLst>
+            <pc:docMk/>
+            <pc:sldMk cId="1313150803" sldId="324"/>
+            <ac:spMk id="11" creationId="{BA2092DE-7EFF-D3A4-01AB-E662869D481E}"/>
+          </ac:spMkLst>
+        </pc:spChg>
+      </pc:sldChg>
+      <pc:sldChg chg="addSp delSp modSp add mod setBg delDesignElem">
+        <pc:chgData name="Ihor Aleksandrov" userId="c3051032-6b87-4db2-b257-777a0106fbd9" providerId="ADAL" clId="{6E992857-9748-4C0F-AA63-95FC0898136C}" dt="2024-02-02T13:15:54.867" v="357" actId="1076"/>
+        <pc:sldMkLst>
+          <pc:docMk/>
+          <pc:sldMk cId="256048852" sldId="325"/>
+        </pc:sldMkLst>
+        <pc:spChg chg="mod">
+          <ac:chgData name="Ihor Aleksandrov" userId="c3051032-6b87-4db2-b257-777a0106fbd9" providerId="ADAL" clId="{6E992857-9748-4C0F-AA63-95FC0898136C}" dt="2024-02-02T13:12:03.009" v="309" actId="26606"/>
+          <ac:spMkLst>
+            <pc:docMk/>
+            <pc:sldMk cId="256048852" sldId="325"/>
+            <ac:spMk id="2" creationId="{53C5D828-9666-E312-B574-9FE965A7D6BE}"/>
+          </ac:spMkLst>
+        </pc:spChg>
+        <pc:spChg chg="mod ord">
+          <ac:chgData name="Ihor Aleksandrov" userId="c3051032-6b87-4db2-b257-777a0106fbd9" providerId="ADAL" clId="{6E992857-9748-4C0F-AA63-95FC0898136C}" dt="2024-02-02T13:12:03.009" v="309" actId="26606"/>
+          <ac:spMkLst>
+            <pc:docMk/>
+            <pc:sldMk cId="256048852" sldId="325"/>
+            <ac:spMk id="3" creationId="{5AA19FA0-A765-8169-03F1-928E3EF7B595}"/>
+          </ac:spMkLst>
+        </pc:spChg>
+        <pc:spChg chg="add mod">
+          <ac:chgData name="Ihor Aleksandrov" userId="c3051032-6b87-4db2-b257-777a0106fbd9" providerId="ADAL" clId="{6E992857-9748-4C0F-AA63-95FC0898136C}" dt="2024-02-02T13:14:16.637" v="338" actId="1037"/>
+          <ac:spMkLst>
+            <pc:docMk/>
+            <pc:sldMk cId="256048852" sldId="325"/>
+            <ac:spMk id="7" creationId="{C8D4ACD5-BB85-5131-B2D2-7152F5D23053}"/>
+          </ac:spMkLst>
+        </pc:spChg>
+        <pc:spChg chg="add mod">
+          <ac:chgData name="Ihor Aleksandrov" userId="c3051032-6b87-4db2-b257-777a0106fbd9" providerId="ADAL" clId="{6E992857-9748-4C0F-AA63-95FC0898136C}" dt="2024-02-02T13:14:08.929" v="330" actId="255"/>
+          <ac:spMkLst>
+            <pc:docMk/>
+            <pc:sldMk cId="256048852" sldId="325"/>
+            <ac:spMk id="10" creationId="{B9F3790D-5C1B-298B-E7D8-B727F5EDB781}"/>
+          </ac:spMkLst>
+        </pc:spChg>
+        <pc:spChg chg="add">
+          <ac:chgData name="Ihor Aleksandrov" userId="c3051032-6b87-4db2-b257-777a0106fbd9" providerId="ADAL" clId="{6E992857-9748-4C0F-AA63-95FC0898136C}" dt="2024-02-02T13:12:03.009" v="309" actId="26606"/>
+          <ac:spMkLst>
+            <pc:docMk/>
+            <pc:sldMk cId="256048852" sldId="325"/>
+            <ac:spMk id="11" creationId="{D4771268-CB57-404A-9271-370EB28F6090}"/>
+          </ac:spMkLst>
+        </pc:spChg>
+        <pc:spChg chg="add mod">
+          <ac:chgData name="Ihor Aleksandrov" userId="c3051032-6b87-4db2-b257-777a0106fbd9" providerId="ADAL" clId="{6E992857-9748-4C0F-AA63-95FC0898136C}" dt="2024-02-02T13:14:32.705" v="342" actId="1076"/>
+          <ac:spMkLst>
+            <pc:docMk/>
+            <pc:sldMk cId="256048852" sldId="325"/>
+            <ac:spMk id="13" creationId="{483ED696-EED7-A656-DB19-099989E5ED63}"/>
+          </ac:spMkLst>
+        </pc:spChg>
+        <pc:spChg chg="add mod">
+          <ac:chgData name="Ihor Aleksandrov" userId="c3051032-6b87-4db2-b257-777a0106fbd9" providerId="ADAL" clId="{6E992857-9748-4C0F-AA63-95FC0898136C}" dt="2024-02-02T13:15:07.762" v="347" actId="6549"/>
+          <ac:spMkLst>
+            <pc:docMk/>
+            <pc:sldMk cId="256048852" sldId="325"/>
+            <ac:spMk id="15" creationId="{01BBD830-7DA7-EA92-AC62-BA3303AC1E0A}"/>
+          </ac:spMkLst>
+        </pc:spChg>
+        <pc:spChg chg="add del">
+          <ac:chgData name="Ihor Aleksandrov" userId="c3051032-6b87-4db2-b257-777a0106fbd9" providerId="ADAL" clId="{6E992857-9748-4C0F-AA63-95FC0898136C}" dt="2024-02-02T13:15:25.595" v="349" actId="22"/>
+          <ac:spMkLst>
+            <pc:docMk/>
+            <pc:sldMk cId="256048852" sldId="325"/>
+            <ac:spMk id="17" creationId="{9B09958F-67D0-DAE1-6EFA-42CD440EE2C9}"/>
+          </ac:spMkLst>
+        </pc:spChg>
+        <pc:spChg chg="add mod">
+          <ac:chgData name="Ihor Aleksandrov" userId="c3051032-6b87-4db2-b257-777a0106fbd9" providerId="ADAL" clId="{6E992857-9748-4C0F-AA63-95FC0898136C}" dt="2024-02-02T13:15:38.024" v="353" actId="14100"/>
+          <ac:spMkLst>
+            <pc:docMk/>
+            <pc:sldMk cId="256048852" sldId="325"/>
+            <ac:spMk id="19" creationId="{861AE8F5-F55B-71B1-4313-5A0B8FC002D1}"/>
+          </ac:spMkLst>
+        </pc:spChg>
+        <pc:spChg chg="add mod">
+          <ac:chgData name="Ihor Aleksandrov" userId="c3051032-6b87-4db2-b257-777a0106fbd9" providerId="ADAL" clId="{6E992857-9748-4C0F-AA63-95FC0898136C}" dt="2024-02-02T13:15:54.867" v="357" actId="1076"/>
+          <ac:spMkLst>
+            <pc:docMk/>
+            <pc:sldMk cId="256048852" sldId="325"/>
+            <ac:spMk id="21" creationId="{83161082-5E59-58F0-8F69-6B6298ACFA36}"/>
+          </ac:spMkLst>
+        </pc:spChg>
+        <pc:spChg chg="del">
+          <ac:chgData name="Ihor Aleksandrov" userId="c3051032-6b87-4db2-b257-777a0106fbd9" providerId="ADAL" clId="{6E992857-9748-4C0F-AA63-95FC0898136C}" dt="2024-02-02T13:11:37.441" v="305"/>
+          <ac:spMkLst>
+            <pc:docMk/>
+            <pc:sldMk cId="256048852" sldId="325"/>
+            <ac:spMk id="24" creationId="{D4771268-CB57-404A-9271-370EB28F6090}"/>
+          </ac:spMkLst>
+        </pc:spChg>
+        <pc:picChg chg="add mod">
+          <ac:chgData name="Ihor Aleksandrov" userId="c3051032-6b87-4db2-b257-777a0106fbd9" providerId="ADAL" clId="{6E992857-9748-4C0F-AA63-95FC0898136C}" dt="2024-02-02T13:12:44.656" v="316" actId="1076"/>
+          <ac:picMkLst>
+            <pc:docMk/>
+            <pc:sldMk cId="256048852" sldId="325"/>
+            <ac:picMk id="4" creationId="{A0BC4B95-C04B-0DF3-636D-1DDA19522BE3}"/>
+          </ac:picMkLst>
+        </pc:picChg>
+        <pc:picChg chg="mod">
+          <ac:chgData name="Ihor Aleksandrov" userId="c3051032-6b87-4db2-b257-777a0106fbd9" providerId="ADAL" clId="{6E992857-9748-4C0F-AA63-95FC0898136C}" dt="2024-02-02T13:12:37.898" v="313" actId="1076"/>
+          <ac:picMkLst>
+            <pc:docMk/>
+            <pc:sldMk cId="256048852" sldId="325"/>
+            <ac:picMk id="6" creationId="{540496AA-0B24-0040-9F44-BAFA2FCB0BAA}"/>
+          </ac:picMkLst>
+        </pc:picChg>
+        <pc:picChg chg="del">
+          <ac:chgData name="Ihor Aleksandrov" userId="c3051032-6b87-4db2-b257-777a0106fbd9" providerId="ADAL" clId="{6E992857-9748-4C0F-AA63-95FC0898136C}" dt="2024-02-02T13:11:57.523" v="307" actId="21"/>
+          <ac:picMkLst>
+            <pc:docMk/>
+            <pc:sldMk cId="256048852" sldId="325"/>
+            <ac:picMk id="8" creationId="{658C3F76-54EF-576F-9F63-72AC8DC29881}"/>
+          </ac:picMkLst>
+        </pc:picChg>
+      </pc:sldChg>
+      <pc:sldChg chg="addSp delSp modSp add mod ord">
+        <pc:chgData name="Ihor Aleksandrov" userId="c3051032-6b87-4db2-b257-777a0106fbd9" providerId="ADAL" clId="{6E992857-9748-4C0F-AA63-95FC0898136C}" dt="2024-02-02T13:18:31.555" v="372"/>
+        <pc:sldMkLst>
+          <pc:docMk/>
+          <pc:sldMk cId="3058822169" sldId="326"/>
+        </pc:sldMkLst>
+        <pc:spChg chg="mod">
+          <ac:chgData name="Ihor Aleksandrov" userId="c3051032-6b87-4db2-b257-777a0106fbd9" providerId="ADAL" clId="{6E992857-9748-4C0F-AA63-95FC0898136C}" dt="2024-02-02T13:17:09.523" v="361"/>
+          <ac:spMkLst>
+            <pc:docMk/>
+            <pc:sldMk cId="3058822169" sldId="326"/>
+            <ac:spMk id="2" creationId="{53C5D828-9666-E312-B574-9FE965A7D6BE}"/>
+          </ac:spMkLst>
+        </pc:spChg>
+        <pc:spChg chg="add mod">
+          <ac:chgData name="Ihor Aleksandrov" userId="c3051032-6b87-4db2-b257-777a0106fbd9" providerId="ADAL" clId="{6E992857-9748-4C0F-AA63-95FC0898136C}" dt="2024-02-02T13:17:31.194" v="367" actId="1076"/>
+          <ac:spMkLst>
+            <pc:docMk/>
+            <pc:sldMk cId="3058822169" sldId="326"/>
+            <ac:spMk id="5" creationId="{07E1C3D5-78D2-A772-6854-E977E2250129}"/>
+          </ac:spMkLst>
+        </pc:spChg>
+        <pc:spChg chg="del">
+          <ac:chgData name="Ihor Aleksandrov" userId="c3051032-6b87-4db2-b257-777a0106fbd9" providerId="ADAL" clId="{6E992857-9748-4C0F-AA63-95FC0898136C}" dt="2024-02-02T13:17:12.964" v="362" actId="478"/>
+          <ac:spMkLst>
+            <pc:docMk/>
+            <pc:sldMk cId="3058822169" sldId="326"/>
+            <ac:spMk id="7" creationId="{97777EB2-12FA-074D-1007-FF7343BDF33D}"/>
+          </ac:spMkLst>
+        </pc:spChg>
+        <pc:spChg chg="add mod">
+          <ac:chgData name="Ihor Aleksandrov" userId="c3051032-6b87-4db2-b257-777a0106fbd9" providerId="ADAL" clId="{6E992857-9748-4C0F-AA63-95FC0898136C}" dt="2024-02-02T13:17:51.198" v="370" actId="1076"/>
+          <ac:spMkLst>
+            <pc:docMk/>
+            <pc:sldMk cId="3058822169" sldId="326"/>
+            <ac:spMk id="8" creationId="{ED6D8477-46D1-2AD4-9064-76BCDF9F1B32}"/>
+          </ac:spMkLst>
+        </pc:spChg>
+        <pc:spChg chg="add mod">
+          <ac:chgData name="Ihor Aleksandrov" userId="c3051032-6b87-4db2-b257-777a0106fbd9" providerId="ADAL" clId="{6E992857-9748-4C0F-AA63-95FC0898136C}" dt="2024-02-02T13:18:31.555" v="372"/>
+          <ac:spMkLst>
+            <pc:docMk/>
+            <pc:sldMk cId="3058822169" sldId="326"/>
+            <ac:spMk id="9" creationId="{14D9DA4F-1ABF-32EC-72CE-662C44061D8C}"/>
+          </ac:spMkLst>
+        </pc:spChg>
+        <pc:spChg chg="del mod">
+          <ac:chgData name="Ihor Aleksandrov" userId="c3051032-6b87-4db2-b257-777a0106fbd9" providerId="ADAL" clId="{6E992857-9748-4C0F-AA63-95FC0898136C}" dt="2024-02-02T13:17:18.411" v="364" actId="478"/>
+          <ac:spMkLst>
+            <pc:docMk/>
+            <pc:sldMk cId="3058822169" sldId="326"/>
+            <ac:spMk id="11" creationId="{BA2092DE-7EFF-D3A4-01AB-E662869D481E}"/>
+          </ac:spMkLst>
+        </pc:spChg>
+      </pc:sldChg>
       <pc:sldChg chg="del">
         <pc:chgData name="Ihor Aleksandrov" userId="c3051032-6b87-4db2-b257-777a0106fbd9" providerId="ADAL" clId="{6E992857-9748-4C0F-AA63-95FC0898136C}" dt="2024-02-01T12:45:29.416" v="11" actId="2696"/>
         <pc:sldMkLst>
           <pc:docMk/>
           <pc:sldMk cId="4075213889" sldId="326"/>
         </pc:sldMkLst>
+      </pc:sldChg>
+      <pc:sldChg chg="addSp delSp modSp add mod">
+        <pc:chgData name="Ihor Aleksandrov" userId="c3051032-6b87-4db2-b257-777a0106fbd9" providerId="ADAL" clId="{6E992857-9748-4C0F-AA63-95FC0898136C}" dt="2024-02-02T13:19:28.579" v="391" actId="1076"/>
+        <pc:sldMkLst>
+          <pc:docMk/>
+          <pc:sldMk cId="2161065627" sldId="327"/>
+        </pc:sldMkLst>
+        <pc:spChg chg="mod">
+          <ac:chgData name="Ihor Aleksandrov" userId="c3051032-6b87-4db2-b257-777a0106fbd9" providerId="ADAL" clId="{6E992857-9748-4C0F-AA63-95FC0898136C}" dt="2024-02-02T13:18:47.666" v="382" actId="14100"/>
+          <ac:spMkLst>
+            <pc:docMk/>
+            <pc:sldMk cId="2161065627" sldId="327"/>
+            <ac:spMk id="2" creationId="{53C5D828-9666-E312-B574-9FE965A7D6BE}"/>
+          </ac:spMkLst>
+        </pc:spChg>
+        <pc:spChg chg="del">
+          <ac:chgData name="Ihor Aleksandrov" userId="c3051032-6b87-4db2-b257-777a0106fbd9" providerId="ADAL" clId="{6E992857-9748-4C0F-AA63-95FC0898136C}" dt="2024-02-02T13:18:51.259" v="384" actId="478"/>
+          <ac:spMkLst>
+            <pc:docMk/>
+            <pc:sldMk cId="2161065627" sldId="327"/>
+            <ac:spMk id="5" creationId="{07E1C3D5-78D2-A772-6854-E977E2250129}"/>
+          </ac:spMkLst>
+        </pc:spChg>
+        <pc:spChg chg="add mod">
+          <ac:chgData name="Ihor Aleksandrov" userId="c3051032-6b87-4db2-b257-777a0106fbd9" providerId="ADAL" clId="{6E992857-9748-4C0F-AA63-95FC0898136C}" dt="2024-02-02T13:19:15.846" v="388" actId="1076"/>
+          <ac:spMkLst>
+            <pc:docMk/>
+            <pc:sldMk cId="2161065627" sldId="327"/>
+            <ac:spMk id="6" creationId="{76465CA7-4D10-1A4C-BD3F-E0171D673D59}"/>
+          </ac:spMkLst>
+        </pc:spChg>
+        <pc:spChg chg="del">
+          <ac:chgData name="Ihor Aleksandrov" userId="c3051032-6b87-4db2-b257-777a0106fbd9" providerId="ADAL" clId="{6E992857-9748-4C0F-AA63-95FC0898136C}" dt="2024-02-02T13:18:49.632" v="383" actId="478"/>
+          <ac:spMkLst>
+            <pc:docMk/>
+            <pc:sldMk cId="2161065627" sldId="327"/>
+            <ac:spMk id="8" creationId="{ED6D8477-46D1-2AD4-9064-76BCDF9F1B32}"/>
+          </ac:spMkLst>
+        </pc:spChg>
+        <pc:spChg chg="add mod">
+          <ac:chgData name="Ihor Aleksandrov" userId="c3051032-6b87-4db2-b257-777a0106fbd9" providerId="ADAL" clId="{6E992857-9748-4C0F-AA63-95FC0898136C}" dt="2024-02-02T13:19:28.579" v="391" actId="1076"/>
+          <ac:spMkLst>
+            <pc:docMk/>
+            <pc:sldMk cId="2161065627" sldId="327"/>
+            <ac:spMk id="9" creationId="{4394F1BA-173E-28DB-8A5C-D918B6A46114}"/>
+          </ac:spMkLst>
+        </pc:spChg>
       </pc:sldChg>
       <pc:sldChg chg="del">
         <pc:chgData name="Ihor Aleksandrov" userId="c3051032-6b87-4db2-b257-777a0106fbd9" providerId="ADAL" clId="{6E992857-9748-4C0F-AA63-95FC0898136C}" dt="2024-02-01T12:45:29.416" v="11" actId="2696"/>
@@ -11867,7 +12538,7 @@
           <a:p>
             <a:fld id="{EABA3F4B-EFF6-45E3-A6AB-4944039E81EC}" type="datetimeFigureOut">
               <a:rPr lang="ru-UA" smtClean="0"/>
-              <a:t>01.02.2024</a:t>
+              <a:t>02.02.2024</a:t>
             </a:fld>
             <a:endParaRPr lang="ru-UA"/>
           </a:p>
@@ -12284,7 +12955,7 @@
           <a:p>
             <a:fld id="{C75B975F-BA21-4E1C-99B6-ABED30F89540}" type="datetime1">
               <a:rPr lang="ru-UA" smtClean="0"/>
-              <a:t>01.02.2024</a:t>
+              <a:t>02.02.2024</a:t>
             </a:fld>
             <a:endParaRPr lang="ru-UA"/>
           </a:p>
@@ -12488,7 +13159,7 @@
           <a:p>
             <a:fld id="{D66328E5-C855-4166-8AD5-040012BE18D2}" type="datetime1">
               <a:rPr lang="ru-UA" smtClean="0"/>
-              <a:t>01.02.2024</a:t>
+              <a:t>02.02.2024</a:t>
             </a:fld>
             <a:endParaRPr lang="ru-UA"/>
           </a:p>
@@ -12702,7 +13373,7 @@
           <a:p>
             <a:fld id="{84DAB8F6-F46E-4246-80EF-DE02354418E7}" type="datetime1">
               <a:rPr lang="ru-UA" smtClean="0"/>
-              <a:t>01.02.2024</a:t>
+              <a:t>02.02.2024</a:t>
             </a:fld>
             <a:endParaRPr lang="ru-UA"/>
           </a:p>
@@ -12906,7 +13577,7 @@
           <a:p>
             <a:fld id="{8467C913-2051-48A1-86F2-D1DABB2E6F13}" type="datetime1">
               <a:rPr lang="ru-UA" smtClean="0"/>
-              <a:t>01.02.2024</a:t>
+              <a:t>02.02.2024</a:t>
             </a:fld>
             <a:endParaRPr lang="ru-UA"/>
           </a:p>
@@ -13186,7 +13857,7 @@
           <a:p>
             <a:fld id="{4343B6D0-012B-4BC7-8612-51CB74638584}" type="datetime1">
               <a:rPr lang="ru-UA" smtClean="0"/>
-              <a:t>01.02.2024</a:t>
+              <a:t>02.02.2024</a:t>
             </a:fld>
             <a:endParaRPr lang="ru-UA"/>
           </a:p>
@@ -13458,7 +14129,7 @@
           <a:p>
             <a:fld id="{DA3001A2-AE52-4B99-AC5B-08EC45DA8AD0}" type="datetime1">
               <a:rPr lang="ru-UA" smtClean="0"/>
-              <a:t>01.02.2024</a:t>
+              <a:t>02.02.2024</a:t>
             </a:fld>
             <a:endParaRPr lang="ru-UA"/>
           </a:p>
@@ -13877,7 +14548,7 @@
           <a:p>
             <a:fld id="{A27ADE6B-13FE-4183-AA7E-A7D12E19AD4E}" type="datetime1">
               <a:rPr lang="ru-UA" smtClean="0"/>
-              <a:t>01.02.2024</a:t>
+              <a:t>02.02.2024</a:t>
             </a:fld>
             <a:endParaRPr lang="ru-UA"/>
           </a:p>
@@ -14023,7 +14694,7 @@
           <a:p>
             <a:fld id="{F2FE09EF-E9B0-47B3-A956-B1218ACEB757}" type="datetime1">
               <a:rPr lang="ru-UA" smtClean="0"/>
-              <a:t>01.02.2024</a:t>
+              <a:t>02.02.2024</a:t>
             </a:fld>
             <a:endParaRPr lang="ru-UA"/>
           </a:p>
@@ -14140,7 +14811,7 @@
           <a:p>
             <a:fld id="{7C0BA055-DA58-45E6-8246-829A0C23A93B}" type="datetime1">
               <a:rPr lang="ru-UA" smtClean="0"/>
-              <a:t>01.02.2024</a:t>
+              <a:t>02.02.2024</a:t>
             </a:fld>
             <a:endParaRPr lang="ru-UA"/>
           </a:p>
@@ -14457,7 +15128,7 @@
           <a:p>
             <a:fld id="{6AED41DF-758F-4A6C-8E37-CA28871B2E5A}" type="datetime1">
               <a:rPr lang="ru-UA" smtClean="0"/>
-              <a:t>01.02.2024</a:t>
+              <a:t>02.02.2024</a:t>
             </a:fld>
             <a:endParaRPr lang="ru-UA"/>
           </a:p>
@@ -14750,7 +15421,7 @@
           <a:p>
             <a:fld id="{B092880E-860C-4927-A378-BCF65DB089C9}" type="datetime1">
               <a:rPr lang="ru-UA" smtClean="0"/>
-              <a:t>01.02.2024</a:t>
+              <a:t>02.02.2024</a:t>
             </a:fld>
             <a:endParaRPr lang="ru-UA"/>
           </a:p>
@@ -14997,7 +15668,7 @@
           <a:p>
             <a:fld id="{50344D1B-5235-486F-A999-CD74520911B6}" type="datetime1">
               <a:rPr lang="ru-UA" smtClean="0"/>
-              <a:t>01.02.2024</a:t>
+              <a:t>02.02.2024</a:t>
             </a:fld>
             <a:endParaRPr lang="ru-UA"/>
           </a:p>
@@ -17436,6 +18107,1540 @@
 </p:sld>
 </file>
 
+<file path=ppt/slides/slide16.xml><?xml version="1.0" encoding="utf-8"?>
+<p:sld xmlns:a="http://schemas.openxmlformats.org/drawingml/2006/main" xmlns:r="http://schemas.openxmlformats.org/officeDocument/2006/relationships" xmlns:p="http://schemas.openxmlformats.org/presentationml/2006/main">
+  <p:cSld>
+    <p:bg>
+      <p:bgPr>
+        <a:solidFill>
+          <a:schemeClr val="bg1"/>
+        </a:solidFill>
+        <a:effectLst/>
+      </p:bgPr>
+    </p:bg>
+    <p:spTree>
+      <p:nvGrpSpPr>
+        <p:cNvPr id="1" name=""/>
+        <p:cNvGrpSpPr/>
+        <p:nvPr/>
+      </p:nvGrpSpPr>
+      <p:grpSpPr>
+        <a:xfrm>
+          <a:off x="0" y="0"/>
+          <a:ext cx="0" cy="0"/>
+          <a:chOff x="0" y="0"/>
+          <a:chExt cx="0" cy="0"/>
+        </a:xfrm>
+      </p:grpSpPr>
+      <p:sp>
+        <p:nvSpPr>
+          <p:cNvPr id="11" name="Down Arrow 7">
+            <a:extLst>
+              <a:ext uri="{FF2B5EF4-FFF2-40B4-BE49-F238E27FC236}">
+                <a16:creationId xmlns:a16="http://schemas.microsoft.com/office/drawing/2014/main" id="{D4771268-CB57-404A-9271-370EB28F6090}"/>
+              </a:ext>
+              <a:ext uri="{C183D7F6-B498-43B3-948B-1728B52AA6E4}">
+                <adec:decorative xmlns:adec="http://schemas.microsoft.com/office/drawing/2017/decorative" val="1"/>
+              </a:ext>
+            </a:extLst>
+          </p:cNvPr>
+          <p:cNvSpPr>
+            <a:spLocks noGrp="1" noRot="1" noChangeAspect="1" noMove="1" noResize="1" noEditPoints="1" noAdjustHandles="1" noChangeArrowheads="1" noChangeShapeType="1" noTextEdit="1"/>
+          </p:cNvSpPr>
+          <p:nvPr>
+            <p:extLst>
+              <p:ext uri="{386F3935-93C4-4BCD-93E2-E3B085C9AB24}">
+                <p16:designElem xmlns:p16="http://schemas.microsoft.com/office/powerpoint/2015/main" val="1"/>
+              </p:ext>
+            </p:extLst>
+          </p:nvPr>
+        </p:nvSpPr>
+        <p:spPr>
+          <a:xfrm rot="16200000">
+            <a:off x="800100" y="1491343"/>
+            <a:ext cx="3333749" cy="3499103"/>
+          </a:xfrm>
+          <a:prstGeom prst="downArrow">
+            <a:avLst>
+              <a:gd name="adj1" fmla="val 100000"/>
+              <a:gd name="adj2" fmla="val 15788"/>
+            </a:avLst>
+          </a:prstGeom>
+          <a:solidFill>
+            <a:srgbClr val="404040"/>
+          </a:solidFill>
+          <a:ln w="53975">
+            <a:noFill/>
+          </a:ln>
+        </p:spPr>
+        <p:style>
+          <a:lnRef idx="2">
+            <a:schemeClr val="accent1">
+              <a:shade val="50000"/>
+            </a:schemeClr>
+          </a:lnRef>
+          <a:fillRef idx="1">
+            <a:schemeClr val="accent1"/>
+          </a:fillRef>
+          <a:effectRef idx="0">
+            <a:schemeClr val="accent1"/>
+          </a:effectRef>
+          <a:fontRef idx="minor">
+            <a:schemeClr val="lt1"/>
+          </a:fontRef>
+        </p:style>
+        <p:txBody>
+          <a:bodyPr rtlCol="0" anchor="ctr"/>
+          <a:lstStyle/>
+          <a:p>
+            <a:pPr algn="ctr"/>
+            <a:endParaRPr lang="en-US"/>
+          </a:p>
+        </p:txBody>
+      </p:sp>
+      <p:sp>
+        <p:nvSpPr>
+          <p:cNvPr id="2" name="Title 1">
+            <a:extLst>
+              <a:ext uri="{FF2B5EF4-FFF2-40B4-BE49-F238E27FC236}">
+                <a16:creationId xmlns:a16="http://schemas.microsoft.com/office/drawing/2014/main" id="{53C5D828-9666-E312-B574-9FE965A7D6BE}"/>
+              </a:ext>
+            </a:extLst>
+          </p:cNvPr>
+          <p:cNvSpPr>
+            <a:spLocks noGrp="1"/>
+          </p:cNvSpPr>
+          <p:nvPr>
+            <p:ph type="title"/>
+          </p:nvPr>
+        </p:nvSpPr>
+        <p:spPr>
+          <a:xfrm>
+            <a:off x="1028700" y="1967266"/>
+            <a:ext cx="2628900" cy="2547257"/>
+          </a:xfrm>
+          <a:noFill/>
+        </p:spPr>
+        <p:txBody>
+          <a:bodyPr vert="horz" lIns="91440" tIns="45720" rIns="91440" bIns="45720" rtlCol="0" anchor="ctr">
+            <a:normAutofit/>
+          </a:bodyPr>
+          <a:lstStyle/>
+          <a:p>
+            <a:pPr algn="ctr"/>
+            <a:r>
+              <a:rPr lang="en-US" sz="3600" kern="1200" dirty="0">
+                <a:solidFill>
+                  <a:srgbClr val="FFFFFF"/>
+                </a:solidFill>
+                <a:latin typeface="+mj-lt"/>
+                <a:ea typeface="+mj-ea"/>
+                <a:cs typeface="+mj-cs"/>
+              </a:rPr>
+              <a:t>What is </a:t>
+            </a:r>
+            <a:r>
+              <a:rPr lang="en-US" sz="3600" kern="1200">
+                <a:solidFill>
+                  <a:srgbClr val="FFFFFF"/>
+                </a:solidFill>
+                <a:latin typeface="+mj-lt"/>
+                <a:ea typeface="+mj-ea"/>
+                <a:cs typeface="+mj-cs"/>
+              </a:rPr>
+              <a:t>G</a:t>
+            </a:r>
+            <a:r>
+              <a:rPr lang="en-US" sz="3600" kern="1200" dirty="0">
+                <a:solidFill>
+                  <a:srgbClr val="FFFFFF"/>
+                </a:solidFill>
+                <a:latin typeface="+mj-lt"/>
+                <a:ea typeface="+mj-ea"/>
+                <a:cs typeface="+mj-cs"/>
+              </a:rPr>
+              <a:t>it?</a:t>
+            </a:r>
+          </a:p>
+        </p:txBody>
+      </p:sp>
+      <p:pic>
+        <p:nvPicPr>
+          <p:cNvPr id="6" name="Picture 5">
+            <a:extLst>
+              <a:ext uri="{FF2B5EF4-FFF2-40B4-BE49-F238E27FC236}">
+                <a16:creationId xmlns:a16="http://schemas.microsoft.com/office/drawing/2014/main" id="{0C9E6090-2EB5-167B-69B1-29BC280B19FF}"/>
+              </a:ext>
+            </a:extLst>
+          </p:cNvPr>
+          <p:cNvPicPr>
+            <a:picLocks noChangeAspect="1"/>
+          </p:cNvPicPr>
+          <p:nvPr/>
+        </p:nvPicPr>
+        <p:blipFill>
+          <a:blip r:embed="rId2"/>
+          <a:stretch>
+            <a:fillRect/>
+          </a:stretch>
+        </p:blipFill>
+        <p:spPr>
+          <a:xfrm>
+            <a:off x="1535352" y="5185493"/>
+            <a:ext cx="1152429" cy="446566"/>
+          </a:xfrm>
+          <a:prstGeom prst="rect">
+            <a:avLst/>
+          </a:prstGeom>
+        </p:spPr>
+      </p:pic>
+      <p:sp>
+        <p:nvSpPr>
+          <p:cNvPr id="3" name="Footer Placeholder 2">
+            <a:extLst>
+              <a:ext uri="{FF2B5EF4-FFF2-40B4-BE49-F238E27FC236}">
+                <a16:creationId xmlns:a16="http://schemas.microsoft.com/office/drawing/2014/main" id="{5AA19FA0-A765-8169-03F1-928E3EF7B595}"/>
+              </a:ext>
+            </a:extLst>
+          </p:cNvPr>
+          <p:cNvSpPr>
+            <a:spLocks noGrp="1"/>
+          </p:cNvSpPr>
+          <p:nvPr>
+            <p:ph type="ftr" sz="quarter" idx="11"/>
+          </p:nvPr>
+        </p:nvSpPr>
+        <p:spPr>
+          <a:xfrm>
+            <a:off x="1028700" y="6356350"/>
+            <a:ext cx="6210300" cy="365125"/>
+          </a:xfrm>
+        </p:spPr>
+        <p:txBody>
+          <a:bodyPr vert="horz" lIns="91440" tIns="45720" rIns="91440" bIns="45720" rtlCol="0" anchor="ctr">
+            <a:normAutofit/>
+          </a:bodyPr>
+          <a:lstStyle/>
+          <a:p>
+            <a:pPr algn="l">
+              <a:spcAft>
+                <a:spcPts val="600"/>
+              </a:spcAft>
+            </a:pPr>
+            <a:r>
+              <a:rPr lang="en-US" kern="1200">
+                <a:solidFill>
+                  <a:schemeClr val="tx1">
+                    <a:alpha val="80000"/>
+                  </a:schemeClr>
+                </a:solidFill>
+                <a:latin typeface="+mn-lt"/>
+                <a:ea typeface="+mn-ea"/>
+                <a:cs typeface="+mn-cs"/>
+              </a:rPr>
+              <a:t>Step 1 - Model - ver. 1</a:t>
+            </a:r>
+          </a:p>
+        </p:txBody>
+      </p:sp>
+      <p:sp>
+        <p:nvSpPr>
+          <p:cNvPr id="5" name="TextBox 4">
+            <a:extLst>
+              <a:ext uri="{FF2B5EF4-FFF2-40B4-BE49-F238E27FC236}">
+                <a16:creationId xmlns:a16="http://schemas.microsoft.com/office/drawing/2014/main" id="{9FA1A01F-C811-D56D-5B3C-FE963C68424E}"/>
+              </a:ext>
+            </a:extLst>
+          </p:cNvPr>
+          <p:cNvSpPr txBox="1"/>
+          <p:nvPr/>
+        </p:nvSpPr>
+        <p:spPr>
+          <a:xfrm>
+            <a:off x="4527804" y="1574019"/>
+            <a:ext cx="6096000" cy="3139321"/>
+          </a:xfrm>
+          <a:prstGeom prst="rect">
+            <a:avLst/>
+          </a:prstGeom>
+          <a:noFill/>
+        </p:spPr>
+        <p:txBody>
+          <a:bodyPr wrap="square">
+            <a:spAutoFit/>
+          </a:bodyPr>
+          <a:lstStyle/>
+          <a:p>
+            <a:r>
+              <a:rPr lang="en-US" dirty="0"/>
+              <a:t>Git is a powerful and popular version control system that enables effective tracking of changes in source code. It was developed by Linus Torvalds in 2005 for Linux kernel development and It is used for keeping track of code changes and collaborating with others on code. It uses a decentralized model where each developer has their own copy of the repository and works immediately on the project. Git manages the projects with repositories and can clone a project to operate locally on it. With staging and committing it track changes and control. You can pull the latest code of the project to the local copy, and push local updates to the main projects. </a:t>
+            </a:r>
+            <a:endParaRPr lang="ru-UA" dirty="0"/>
+          </a:p>
+        </p:txBody>
+      </p:sp>
+    </p:spTree>
+    <p:extLst>
+      <p:ext uri="{BB962C8B-B14F-4D97-AF65-F5344CB8AC3E}">
+        <p14:creationId xmlns:p14="http://schemas.microsoft.com/office/powerpoint/2010/main" val="417898339"/>
+      </p:ext>
+    </p:extLst>
+  </p:cSld>
+  <p:clrMapOvr>
+    <a:masterClrMapping/>
+  </p:clrMapOvr>
+</p:sld>
+</file>
+
+<file path=ppt/slides/slide17.xml><?xml version="1.0" encoding="utf-8"?>
+<p:sld xmlns:a="http://schemas.openxmlformats.org/drawingml/2006/main" xmlns:r="http://schemas.openxmlformats.org/officeDocument/2006/relationships" xmlns:p="http://schemas.openxmlformats.org/presentationml/2006/main">
+  <p:cSld>
+    <p:bg>
+      <p:bgPr>
+        <a:solidFill>
+          <a:schemeClr val="bg1"/>
+        </a:solidFill>
+        <a:effectLst/>
+      </p:bgPr>
+    </p:bg>
+    <p:spTree>
+      <p:nvGrpSpPr>
+        <p:cNvPr id="1" name=""/>
+        <p:cNvGrpSpPr/>
+        <p:nvPr/>
+      </p:nvGrpSpPr>
+      <p:grpSpPr>
+        <a:xfrm>
+          <a:off x="0" y="0"/>
+          <a:ext cx="0" cy="0"/>
+          <a:chOff x="0" y="0"/>
+          <a:chExt cx="0" cy="0"/>
+        </a:xfrm>
+      </p:grpSpPr>
+      <p:sp>
+        <p:nvSpPr>
+          <p:cNvPr id="10" name="Down Arrow 7">
+            <a:extLst>
+              <a:ext uri="{FF2B5EF4-FFF2-40B4-BE49-F238E27FC236}">
+                <a16:creationId xmlns:a16="http://schemas.microsoft.com/office/drawing/2014/main" id="{D4771268-CB57-404A-9271-370EB28F6090}"/>
+              </a:ext>
+              <a:ext uri="{C183D7F6-B498-43B3-948B-1728B52AA6E4}">
+                <adec:decorative xmlns:adec="http://schemas.microsoft.com/office/drawing/2017/decorative" val="1"/>
+              </a:ext>
+            </a:extLst>
+          </p:cNvPr>
+          <p:cNvSpPr>
+            <a:spLocks noGrp="1" noRot="1" noChangeAspect="1" noMove="1" noResize="1" noEditPoints="1" noAdjustHandles="1" noChangeArrowheads="1" noChangeShapeType="1" noTextEdit="1"/>
+          </p:cNvSpPr>
+          <p:nvPr>
+            <p:extLst>
+              <p:ext uri="{386F3935-93C4-4BCD-93E2-E3B085C9AB24}">
+                <p16:designElem xmlns:p16="http://schemas.microsoft.com/office/powerpoint/2015/main" val="1"/>
+              </p:ext>
+            </p:extLst>
+          </p:nvPr>
+        </p:nvSpPr>
+        <p:spPr>
+          <a:xfrm rot="16200000">
+            <a:off x="800100" y="1491343"/>
+            <a:ext cx="3333749" cy="3499103"/>
+          </a:xfrm>
+          <a:prstGeom prst="downArrow">
+            <a:avLst>
+              <a:gd name="adj1" fmla="val 100000"/>
+              <a:gd name="adj2" fmla="val 15788"/>
+            </a:avLst>
+          </a:prstGeom>
+          <a:solidFill>
+            <a:srgbClr val="404040"/>
+          </a:solidFill>
+          <a:ln w="53975">
+            <a:noFill/>
+          </a:ln>
+        </p:spPr>
+        <p:style>
+          <a:lnRef idx="2">
+            <a:schemeClr val="accent1">
+              <a:shade val="50000"/>
+            </a:schemeClr>
+          </a:lnRef>
+          <a:fillRef idx="1">
+            <a:schemeClr val="accent1"/>
+          </a:fillRef>
+          <a:effectRef idx="0">
+            <a:schemeClr val="accent1"/>
+          </a:effectRef>
+          <a:fontRef idx="minor">
+            <a:schemeClr val="lt1"/>
+          </a:fontRef>
+        </p:style>
+        <p:txBody>
+          <a:bodyPr rtlCol="0" anchor="ctr"/>
+          <a:lstStyle/>
+          <a:p>
+            <a:pPr algn="ctr"/>
+            <a:endParaRPr lang="en-US"/>
+          </a:p>
+        </p:txBody>
+      </p:sp>
+      <p:sp>
+        <p:nvSpPr>
+          <p:cNvPr id="2" name="Title 1">
+            <a:extLst>
+              <a:ext uri="{FF2B5EF4-FFF2-40B4-BE49-F238E27FC236}">
+                <a16:creationId xmlns:a16="http://schemas.microsoft.com/office/drawing/2014/main" id="{53C5D828-9666-E312-B574-9FE965A7D6BE}"/>
+              </a:ext>
+            </a:extLst>
+          </p:cNvPr>
+          <p:cNvSpPr>
+            <a:spLocks noGrp="1"/>
+          </p:cNvSpPr>
+          <p:nvPr>
+            <p:ph type="title"/>
+          </p:nvPr>
+        </p:nvSpPr>
+        <p:spPr>
+          <a:xfrm>
+            <a:off x="1028700" y="1967266"/>
+            <a:ext cx="2628900" cy="2547257"/>
+          </a:xfrm>
+          <a:noFill/>
+        </p:spPr>
+        <p:txBody>
+          <a:bodyPr vert="horz" lIns="91440" tIns="45720" rIns="91440" bIns="45720" rtlCol="0" anchor="ctr">
+            <a:normAutofit/>
+          </a:bodyPr>
+          <a:lstStyle/>
+          <a:p>
+            <a:pPr algn="ctr"/>
+            <a:r>
+              <a:rPr lang="en-US" sz="3600" kern="1200" dirty="0">
+                <a:solidFill>
+                  <a:srgbClr val="FFFFFF"/>
+                </a:solidFill>
+                <a:latin typeface="+mj-lt"/>
+                <a:ea typeface="+mj-ea"/>
+                <a:cs typeface="+mj-cs"/>
+              </a:rPr>
+              <a:t>Introduction: Git Repository Structure</a:t>
+            </a:r>
+          </a:p>
+        </p:txBody>
+      </p:sp>
+      <p:pic>
+        <p:nvPicPr>
+          <p:cNvPr id="5" name="Picture 4">
+            <a:extLst>
+              <a:ext uri="{FF2B5EF4-FFF2-40B4-BE49-F238E27FC236}">
+                <a16:creationId xmlns:a16="http://schemas.microsoft.com/office/drawing/2014/main" id="{323F2EC2-F203-FEDB-F7E0-AE9C8F083AFF}"/>
+              </a:ext>
+            </a:extLst>
+          </p:cNvPr>
+          <p:cNvPicPr>
+            <a:picLocks noChangeAspect="1"/>
+          </p:cNvPicPr>
+          <p:nvPr/>
+        </p:nvPicPr>
+        <p:blipFill>
+          <a:blip r:embed="rId2"/>
+          <a:stretch>
+            <a:fillRect/>
+          </a:stretch>
+        </p:blipFill>
+        <p:spPr>
+          <a:xfrm>
+            <a:off x="1028700" y="5105522"/>
+            <a:ext cx="2246939" cy="623525"/>
+          </a:xfrm>
+          <a:prstGeom prst="rect">
+            <a:avLst/>
+          </a:prstGeom>
+        </p:spPr>
+      </p:pic>
+      <p:sp>
+        <p:nvSpPr>
+          <p:cNvPr id="3" name="Footer Placeholder 2">
+            <a:extLst>
+              <a:ext uri="{FF2B5EF4-FFF2-40B4-BE49-F238E27FC236}">
+                <a16:creationId xmlns:a16="http://schemas.microsoft.com/office/drawing/2014/main" id="{5AA19FA0-A765-8169-03F1-928E3EF7B595}"/>
+              </a:ext>
+            </a:extLst>
+          </p:cNvPr>
+          <p:cNvSpPr>
+            <a:spLocks noGrp="1"/>
+          </p:cNvSpPr>
+          <p:nvPr>
+            <p:ph type="ftr" sz="quarter" idx="11"/>
+          </p:nvPr>
+        </p:nvSpPr>
+        <p:spPr>
+          <a:xfrm>
+            <a:off x="1028700" y="6356350"/>
+            <a:ext cx="6210300" cy="365125"/>
+          </a:xfrm>
+        </p:spPr>
+        <p:txBody>
+          <a:bodyPr vert="horz" lIns="91440" tIns="45720" rIns="91440" bIns="45720" rtlCol="0" anchor="ctr">
+            <a:normAutofit/>
+          </a:bodyPr>
+          <a:lstStyle/>
+          <a:p>
+            <a:pPr algn="l">
+              <a:spcAft>
+                <a:spcPts val="600"/>
+              </a:spcAft>
+            </a:pPr>
+            <a:r>
+              <a:rPr lang="en-US" kern="1200">
+                <a:solidFill>
+                  <a:schemeClr val="tx1">
+                    <a:alpha val="80000"/>
+                  </a:schemeClr>
+                </a:solidFill>
+                <a:latin typeface="+mn-lt"/>
+                <a:ea typeface="+mn-ea"/>
+                <a:cs typeface="+mn-cs"/>
+              </a:rPr>
+              <a:t>Step 1 - Model - ver. 1</a:t>
+            </a:r>
+          </a:p>
+        </p:txBody>
+      </p:sp>
+      <p:sp>
+        <p:nvSpPr>
+          <p:cNvPr id="6" name="TextBox 5">
+            <a:extLst>
+              <a:ext uri="{FF2B5EF4-FFF2-40B4-BE49-F238E27FC236}">
+                <a16:creationId xmlns:a16="http://schemas.microsoft.com/office/drawing/2014/main" id="{5B679D01-ED6A-0156-92B4-458502C859D4}"/>
+              </a:ext>
+            </a:extLst>
+          </p:cNvPr>
+          <p:cNvSpPr txBox="1"/>
+          <p:nvPr/>
+        </p:nvSpPr>
+        <p:spPr>
+          <a:xfrm>
+            <a:off x="4527804" y="1169967"/>
+            <a:ext cx="6096000" cy="4247317"/>
+          </a:xfrm>
+          <a:prstGeom prst="rect">
+            <a:avLst/>
+          </a:prstGeom>
+          <a:noFill/>
+        </p:spPr>
+        <p:txBody>
+          <a:bodyPr wrap="square">
+            <a:spAutoFit/>
+          </a:bodyPr>
+          <a:lstStyle/>
+          <a:p>
+            <a:r>
+              <a:rPr lang="en-US" dirty="0"/>
+              <a:t>It consists of 4 parts:  </a:t>
+            </a:r>
+          </a:p>
+          <a:p>
+            <a:endParaRPr lang="en-US" dirty="0"/>
+          </a:p>
+          <a:p>
+            <a:r>
+              <a:rPr lang="en-US" dirty="0"/>
+              <a:t>    Working directory: This is your local directory where you make the project (write code) and make changes to it.</a:t>
+            </a:r>
+          </a:p>
+          <a:p>
+            <a:r>
+              <a:rPr lang="en-US" dirty="0"/>
+              <a:t>    Staging Area (or index): this is an area where you first need to put your project before committing. This is used for code review by other team members.</a:t>
+            </a:r>
+          </a:p>
+          <a:p>
+            <a:r>
+              <a:rPr lang="en-US" dirty="0"/>
+              <a:t>    Local Repository: this is your local repository where you commit changes to the project before pushing them to the central repository on </a:t>
+            </a:r>
+            <a:r>
+              <a:rPr lang="en-US" dirty="0" err="1"/>
+              <a:t>Github</a:t>
+            </a:r>
+            <a:r>
+              <a:rPr lang="en-US" dirty="0"/>
+              <a:t>. This is what is provided by the distributed version control system. This corresponds to the .git folder in our directory.</a:t>
+            </a:r>
+          </a:p>
+          <a:p>
+            <a:r>
+              <a:rPr lang="en-US" dirty="0"/>
+              <a:t>    Central Repository: This is the main project on the central server, a copy of which is with every team member as a local repository.</a:t>
+            </a:r>
+          </a:p>
+        </p:txBody>
+      </p:sp>
+    </p:spTree>
+    <p:extLst>
+      <p:ext uri="{BB962C8B-B14F-4D97-AF65-F5344CB8AC3E}">
+        <p14:creationId xmlns:p14="http://schemas.microsoft.com/office/powerpoint/2010/main" val="2689025171"/>
+      </p:ext>
+    </p:extLst>
+  </p:cSld>
+  <p:clrMapOvr>
+    <a:masterClrMapping/>
+  </p:clrMapOvr>
+</p:sld>
+</file>
+
+<file path=ppt/slides/slide18.xml><?xml version="1.0" encoding="utf-8"?>
+<p:sld xmlns:a="http://schemas.openxmlformats.org/drawingml/2006/main" xmlns:r="http://schemas.openxmlformats.org/officeDocument/2006/relationships" xmlns:p="http://schemas.openxmlformats.org/presentationml/2006/main">
+  <p:cSld>
+    <p:bg>
+      <p:bgPr>
+        <a:solidFill>
+          <a:schemeClr val="bg1"/>
+        </a:solidFill>
+        <a:effectLst/>
+      </p:bgPr>
+    </p:bg>
+    <p:spTree>
+      <p:nvGrpSpPr>
+        <p:cNvPr id="1" name=""/>
+        <p:cNvGrpSpPr/>
+        <p:nvPr/>
+      </p:nvGrpSpPr>
+      <p:grpSpPr>
+        <a:xfrm>
+          <a:off x="0" y="0"/>
+          <a:ext cx="0" cy="0"/>
+          <a:chOff x="0" y="0"/>
+          <a:chExt cx="0" cy="0"/>
+        </a:xfrm>
+      </p:grpSpPr>
+      <p:sp>
+        <p:nvSpPr>
+          <p:cNvPr id="13" name="Down Arrow 7">
+            <a:extLst>
+              <a:ext uri="{FF2B5EF4-FFF2-40B4-BE49-F238E27FC236}">
+                <a16:creationId xmlns:a16="http://schemas.microsoft.com/office/drawing/2014/main" id="{D4771268-CB57-404A-9271-370EB28F6090}"/>
+              </a:ext>
+              <a:ext uri="{C183D7F6-B498-43B3-948B-1728B52AA6E4}">
+                <adec:decorative xmlns:adec="http://schemas.microsoft.com/office/drawing/2017/decorative" val="1"/>
+              </a:ext>
+            </a:extLst>
+          </p:cNvPr>
+          <p:cNvSpPr>
+            <a:spLocks noGrp="1" noRot="1" noChangeAspect="1" noMove="1" noResize="1" noEditPoints="1" noAdjustHandles="1" noChangeArrowheads="1" noChangeShapeType="1" noTextEdit="1"/>
+          </p:cNvSpPr>
+          <p:nvPr>
+            <p:extLst>
+              <p:ext uri="{386F3935-93C4-4BCD-93E2-E3B085C9AB24}">
+                <p16:designElem xmlns:p16="http://schemas.microsoft.com/office/powerpoint/2015/main" val="1"/>
+              </p:ext>
+            </p:extLst>
+          </p:nvPr>
+        </p:nvSpPr>
+        <p:spPr>
+          <a:xfrm rot="16200000">
+            <a:off x="800100" y="1491343"/>
+            <a:ext cx="3333749" cy="3499103"/>
+          </a:xfrm>
+          <a:prstGeom prst="downArrow">
+            <a:avLst>
+              <a:gd name="adj1" fmla="val 100000"/>
+              <a:gd name="adj2" fmla="val 15788"/>
+            </a:avLst>
+          </a:prstGeom>
+          <a:solidFill>
+            <a:srgbClr val="404040"/>
+          </a:solidFill>
+          <a:ln w="53975">
+            <a:noFill/>
+          </a:ln>
+        </p:spPr>
+        <p:style>
+          <a:lnRef idx="2">
+            <a:schemeClr val="accent1">
+              <a:shade val="50000"/>
+            </a:schemeClr>
+          </a:lnRef>
+          <a:fillRef idx="1">
+            <a:schemeClr val="accent1"/>
+          </a:fillRef>
+          <a:effectRef idx="0">
+            <a:schemeClr val="accent1"/>
+          </a:effectRef>
+          <a:fontRef idx="minor">
+            <a:schemeClr val="lt1"/>
+          </a:fontRef>
+        </p:style>
+        <p:txBody>
+          <a:bodyPr rtlCol="0" anchor="ctr"/>
+          <a:lstStyle/>
+          <a:p>
+            <a:pPr algn="ctr"/>
+            <a:endParaRPr lang="en-US"/>
+          </a:p>
+        </p:txBody>
+      </p:sp>
+      <p:pic>
+        <p:nvPicPr>
+          <p:cNvPr id="6" name="Picture 5">
+            <a:extLst>
+              <a:ext uri="{FF2B5EF4-FFF2-40B4-BE49-F238E27FC236}">
+                <a16:creationId xmlns:a16="http://schemas.microsoft.com/office/drawing/2014/main" id="{6CE0DC01-884F-14E9-19A9-BFE03913D4A5}"/>
+              </a:ext>
+            </a:extLst>
+          </p:cNvPr>
+          <p:cNvPicPr>
+            <a:picLocks noChangeAspect="1"/>
+          </p:cNvPicPr>
+          <p:nvPr/>
+        </p:nvPicPr>
+        <p:blipFill>
+          <a:blip r:embed="rId2"/>
+          <a:stretch>
+            <a:fillRect/>
+          </a:stretch>
+        </p:blipFill>
+        <p:spPr>
+          <a:xfrm>
+            <a:off x="1660382" y="5199525"/>
+            <a:ext cx="861146" cy="533894"/>
+          </a:xfrm>
+          <a:prstGeom prst="rect">
+            <a:avLst/>
+          </a:prstGeom>
+        </p:spPr>
+      </p:pic>
+      <p:pic>
+        <p:nvPicPr>
+          <p:cNvPr id="8" name="Picture 7">
+            <a:extLst>
+              <a:ext uri="{FF2B5EF4-FFF2-40B4-BE49-F238E27FC236}">
+                <a16:creationId xmlns:a16="http://schemas.microsoft.com/office/drawing/2014/main" id="{E4C6AC16-EBCB-F04F-FB78-E9853A14796C}"/>
+              </a:ext>
+            </a:extLst>
+          </p:cNvPr>
+          <p:cNvPicPr>
+            <a:picLocks noChangeAspect="1"/>
+          </p:cNvPicPr>
+          <p:nvPr/>
+        </p:nvPicPr>
+        <p:blipFill>
+          <a:blip r:embed="rId3"/>
+          <a:stretch>
+            <a:fillRect/>
+          </a:stretch>
+        </p:blipFill>
+        <p:spPr>
+          <a:xfrm>
+            <a:off x="1660382" y="5893950"/>
+            <a:ext cx="861146" cy="170643"/>
+          </a:xfrm>
+          <a:prstGeom prst="rect">
+            <a:avLst/>
+          </a:prstGeom>
+        </p:spPr>
+      </p:pic>
+      <p:sp>
+        <p:nvSpPr>
+          <p:cNvPr id="2" name="Title 1">
+            <a:extLst>
+              <a:ext uri="{FF2B5EF4-FFF2-40B4-BE49-F238E27FC236}">
+                <a16:creationId xmlns:a16="http://schemas.microsoft.com/office/drawing/2014/main" id="{53C5D828-9666-E312-B574-9FE965A7D6BE}"/>
+              </a:ext>
+            </a:extLst>
+          </p:cNvPr>
+          <p:cNvSpPr>
+            <a:spLocks noGrp="1"/>
+          </p:cNvSpPr>
+          <p:nvPr>
+            <p:ph type="title"/>
+          </p:nvPr>
+        </p:nvSpPr>
+        <p:spPr>
+          <a:xfrm>
+            <a:off x="1028700" y="1967266"/>
+            <a:ext cx="2628900" cy="2547257"/>
+          </a:xfrm>
+          <a:noFill/>
+        </p:spPr>
+        <p:txBody>
+          <a:bodyPr vert="horz" lIns="91440" tIns="45720" rIns="91440" bIns="45720" rtlCol="0" anchor="ctr">
+            <a:normAutofit/>
+          </a:bodyPr>
+          <a:lstStyle/>
+          <a:p>
+            <a:pPr algn="ctr"/>
+            <a:r>
+              <a:rPr lang="en-US" sz="3600" kern="1200" dirty="0">
+                <a:solidFill>
+                  <a:srgbClr val="FFFFFF"/>
+                </a:solidFill>
+                <a:latin typeface="+mj-lt"/>
+                <a:ea typeface="+mj-ea"/>
+                <a:cs typeface="+mj-cs"/>
+              </a:rPr>
+              <a:t>Git:  Install and config</a:t>
+            </a:r>
+          </a:p>
+        </p:txBody>
+      </p:sp>
+      <p:sp>
+        <p:nvSpPr>
+          <p:cNvPr id="3" name="Footer Placeholder 2">
+            <a:extLst>
+              <a:ext uri="{FF2B5EF4-FFF2-40B4-BE49-F238E27FC236}">
+                <a16:creationId xmlns:a16="http://schemas.microsoft.com/office/drawing/2014/main" id="{5AA19FA0-A765-8169-03F1-928E3EF7B595}"/>
+              </a:ext>
+            </a:extLst>
+          </p:cNvPr>
+          <p:cNvSpPr>
+            <a:spLocks noGrp="1"/>
+          </p:cNvSpPr>
+          <p:nvPr>
+            <p:ph type="ftr" sz="quarter" idx="11"/>
+          </p:nvPr>
+        </p:nvSpPr>
+        <p:spPr>
+          <a:xfrm>
+            <a:off x="1028700" y="6356350"/>
+            <a:ext cx="6210300" cy="365125"/>
+          </a:xfrm>
+        </p:spPr>
+        <p:txBody>
+          <a:bodyPr vert="horz" lIns="91440" tIns="45720" rIns="91440" bIns="45720" rtlCol="0" anchor="ctr">
+            <a:normAutofit/>
+          </a:bodyPr>
+          <a:lstStyle/>
+          <a:p>
+            <a:pPr algn="l">
+              <a:spcAft>
+                <a:spcPts val="600"/>
+              </a:spcAft>
+            </a:pPr>
+            <a:r>
+              <a:rPr lang="en-US" kern="1200">
+                <a:solidFill>
+                  <a:schemeClr val="tx1">
+                    <a:alpha val="80000"/>
+                  </a:schemeClr>
+                </a:solidFill>
+                <a:latin typeface="+mn-lt"/>
+                <a:ea typeface="+mn-ea"/>
+                <a:cs typeface="+mn-cs"/>
+              </a:rPr>
+              <a:t>Step 1 - Model - ver. 1</a:t>
+            </a:r>
+          </a:p>
+        </p:txBody>
+      </p:sp>
+      <p:sp>
+        <p:nvSpPr>
+          <p:cNvPr id="5" name="TextBox 4">
+            <a:extLst>
+              <a:ext uri="{FF2B5EF4-FFF2-40B4-BE49-F238E27FC236}">
+                <a16:creationId xmlns:a16="http://schemas.microsoft.com/office/drawing/2014/main" id="{173F6DE2-4250-2CA0-3771-BAE09E72FC63}"/>
+              </a:ext>
+            </a:extLst>
+          </p:cNvPr>
+          <p:cNvSpPr txBox="1"/>
+          <p:nvPr/>
+        </p:nvSpPr>
+        <p:spPr>
+          <a:xfrm>
+            <a:off x="4655127" y="1903055"/>
+            <a:ext cx="6096000" cy="2862322"/>
+          </a:xfrm>
+          <a:prstGeom prst="rect">
+            <a:avLst/>
+          </a:prstGeom>
+          <a:noFill/>
+        </p:spPr>
+        <p:txBody>
+          <a:bodyPr wrap="square">
+            <a:spAutoFit/>
+          </a:bodyPr>
+          <a:lstStyle/>
+          <a:p>
+            <a:r>
+              <a:rPr lang="en-US" dirty="0"/>
+              <a:t>Git is a free and open-source version control system. It is used in software development. Git allows software developers to see the changes they made on the code, it gives them the ability to undo things if necessary and also helps a team of people to work together on a project.</a:t>
+            </a:r>
+          </a:p>
+          <a:p>
+            <a:endParaRPr lang="en-US" dirty="0"/>
+          </a:p>
+          <a:p>
+            <a:r>
+              <a:rPr lang="en-US" dirty="0"/>
+              <a:t>Git can be downloaded as a software package on Windows, Mac, Linux platforms. After installing we need to configure the git. After configuration, we can only use it.  git config command helps users to do so.</a:t>
+            </a:r>
+            <a:endParaRPr lang="ru-UA" dirty="0"/>
+          </a:p>
+        </p:txBody>
+      </p:sp>
+      <p:sp>
+        <p:nvSpPr>
+          <p:cNvPr id="9" name="TextBox 8">
+            <a:extLst>
+              <a:ext uri="{FF2B5EF4-FFF2-40B4-BE49-F238E27FC236}">
+                <a16:creationId xmlns:a16="http://schemas.microsoft.com/office/drawing/2014/main" id="{31645640-D090-1CF6-AC28-1291140013C3}"/>
+              </a:ext>
+            </a:extLst>
+          </p:cNvPr>
+          <p:cNvSpPr txBox="1"/>
+          <p:nvPr/>
+        </p:nvSpPr>
+        <p:spPr>
+          <a:xfrm>
+            <a:off x="4191000" y="5616951"/>
+            <a:ext cx="5022273" cy="276999"/>
+          </a:xfrm>
+          <a:prstGeom prst="rect">
+            <a:avLst/>
+          </a:prstGeom>
+          <a:noFill/>
+        </p:spPr>
+        <p:txBody>
+          <a:bodyPr wrap="square">
+            <a:spAutoFit/>
+          </a:bodyPr>
+          <a:lstStyle/>
+          <a:p>
+            <a:r>
+              <a:rPr lang="en-US" sz="1200" dirty="0"/>
+              <a:t>https://www.geeksforgeeks.org/how-to-set-up-git-using-git-config/?ref=lbp</a:t>
+            </a:r>
+            <a:endParaRPr lang="ru-UA" sz="1200" dirty="0"/>
+          </a:p>
+        </p:txBody>
+      </p:sp>
+    </p:spTree>
+    <p:extLst>
+      <p:ext uri="{BB962C8B-B14F-4D97-AF65-F5344CB8AC3E}">
+        <p14:creationId xmlns:p14="http://schemas.microsoft.com/office/powerpoint/2010/main" val="3962432003"/>
+      </p:ext>
+    </p:extLst>
+  </p:cSld>
+  <p:clrMapOvr>
+    <a:masterClrMapping/>
+  </p:clrMapOvr>
+</p:sld>
+</file>
+
+<file path=ppt/slides/slide19.xml><?xml version="1.0" encoding="utf-8"?>
+<p:sld xmlns:a="http://schemas.openxmlformats.org/drawingml/2006/main" xmlns:r="http://schemas.openxmlformats.org/officeDocument/2006/relationships" xmlns:p="http://schemas.openxmlformats.org/presentationml/2006/main">
+  <p:cSld>
+    <p:bg>
+      <p:bgPr>
+        <a:solidFill>
+          <a:schemeClr val="bg1"/>
+        </a:solidFill>
+        <a:effectLst/>
+      </p:bgPr>
+    </p:bg>
+    <p:spTree>
+      <p:nvGrpSpPr>
+        <p:cNvPr id="1" name=""/>
+        <p:cNvGrpSpPr/>
+        <p:nvPr/>
+      </p:nvGrpSpPr>
+      <p:grpSpPr>
+        <a:xfrm>
+          <a:off x="0" y="0"/>
+          <a:ext cx="0" cy="0"/>
+          <a:chOff x="0" y="0"/>
+          <a:chExt cx="0" cy="0"/>
+        </a:xfrm>
+      </p:grpSpPr>
+      <p:sp>
+        <p:nvSpPr>
+          <p:cNvPr id="13" name="Down Arrow 7">
+            <a:extLst>
+              <a:ext uri="{FF2B5EF4-FFF2-40B4-BE49-F238E27FC236}">
+                <a16:creationId xmlns:a16="http://schemas.microsoft.com/office/drawing/2014/main" id="{D4771268-CB57-404A-9271-370EB28F6090}"/>
+              </a:ext>
+              <a:ext uri="{C183D7F6-B498-43B3-948B-1728B52AA6E4}">
+                <adec:decorative xmlns:adec="http://schemas.microsoft.com/office/drawing/2017/decorative" val="1"/>
+              </a:ext>
+            </a:extLst>
+          </p:cNvPr>
+          <p:cNvSpPr>
+            <a:spLocks noGrp="1" noRot="1" noChangeAspect="1" noMove="1" noResize="1" noEditPoints="1" noAdjustHandles="1" noChangeArrowheads="1" noChangeShapeType="1" noTextEdit="1"/>
+          </p:cNvSpPr>
+          <p:nvPr>
+            <p:extLst>
+              <p:ext uri="{386F3935-93C4-4BCD-93E2-E3B085C9AB24}">
+                <p16:designElem xmlns:p16="http://schemas.microsoft.com/office/powerpoint/2015/main" val="1"/>
+              </p:ext>
+            </p:extLst>
+          </p:nvPr>
+        </p:nvSpPr>
+        <p:spPr>
+          <a:xfrm rot="16200000">
+            <a:off x="800100" y="1491343"/>
+            <a:ext cx="3333749" cy="3499103"/>
+          </a:xfrm>
+          <a:prstGeom prst="downArrow">
+            <a:avLst>
+              <a:gd name="adj1" fmla="val 100000"/>
+              <a:gd name="adj2" fmla="val 15788"/>
+            </a:avLst>
+          </a:prstGeom>
+          <a:solidFill>
+            <a:srgbClr val="404040"/>
+          </a:solidFill>
+          <a:ln w="53975">
+            <a:noFill/>
+          </a:ln>
+        </p:spPr>
+        <p:style>
+          <a:lnRef idx="2">
+            <a:schemeClr val="accent1">
+              <a:shade val="50000"/>
+            </a:schemeClr>
+          </a:lnRef>
+          <a:fillRef idx="1">
+            <a:schemeClr val="accent1"/>
+          </a:fillRef>
+          <a:effectRef idx="0">
+            <a:schemeClr val="accent1"/>
+          </a:effectRef>
+          <a:fontRef idx="minor">
+            <a:schemeClr val="lt1"/>
+          </a:fontRef>
+        </p:style>
+        <p:txBody>
+          <a:bodyPr rtlCol="0" anchor="ctr"/>
+          <a:lstStyle/>
+          <a:p>
+            <a:pPr algn="ctr"/>
+            <a:endParaRPr lang="en-US"/>
+          </a:p>
+        </p:txBody>
+      </p:sp>
+      <p:sp>
+        <p:nvSpPr>
+          <p:cNvPr id="2" name="Title 1">
+            <a:extLst>
+              <a:ext uri="{FF2B5EF4-FFF2-40B4-BE49-F238E27FC236}">
+                <a16:creationId xmlns:a16="http://schemas.microsoft.com/office/drawing/2014/main" id="{53C5D828-9666-E312-B574-9FE965A7D6BE}"/>
+              </a:ext>
+            </a:extLst>
+          </p:cNvPr>
+          <p:cNvSpPr>
+            <a:spLocks noGrp="1"/>
+          </p:cNvSpPr>
+          <p:nvPr>
+            <p:ph type="title"/>
+          </p:nvPr>
+        </p:nvSpPr>
+        <p:spPr>
+          <a:xfrm>
+            <a:off x="1028700" y="1967266"/>
+            <a:ext cx="2628900" cy="2547257"/>
+          </a:xfrm>
+          <a:noFill/>
+        </p:spPr>
+        <p:txBody>
+          <a:bodyPr vert="horz" lIns="91440" tIns="45720" rIns="91440" bIns="45720" rtlCol="0" anchor="ctr">
+            <a:normAutofit/>
+          </a:bodyPr>
+          <a:lstStyle/>
+          <a:p>
+            <a:pPr algn="ctr"/>
+            <a:r>
+              <a:rPr lang="en-US" sz="3600" kern="1200" dirty="0">
+                <a:solidFill>
+                  <a:srgbClr val="FFFFFF"/>
+                </a:solidFill>
+                <a:latin typeface="+mj-lt"/>
+                <a:ea typeface="+mj-ea"/>
+                <a:cs typeface="+mj-cs"/>
+              </a:rPr>
+              <a:t>Git: Basic commands</a:t>
+            </a:r>
+          </a:p>
+        </p:txBody>
+      </p:sp>
+      <p:sp>
+        <p:nvSpPr>
+          <p:cNvPr id="3" name="Footer Placeholder 2">
+            <a:extLst>
+              <a:ext uri="{FF2B5EF4-FFF2-40B4-BE49-F238E27FC236}">
+                <a16:creationId xmlns:a16="http://schemas.microsoft.com/office/drawing/2014/main" id="{5AA19FA0-A765-8169-03F1-928E3EF7B595}"/>
+              </a:ext>
+            </a:extLst>
+          </p:cNvPr>
+          <p:cNvSpPr>
+            <a:spLocks noGrp="1"/>
+          </p:cNvSpPr>
+          <p:nvPr>
+            <p:ph type="ftr" sz="quarter" idx="11"/>
+          </p:nvPr>
+        </p:nvSpPr>
+        <p:spPr>
+          <a:xfrm>
+            <a:off x="1028700" y="6356350"/>
+            <a:ext cx="6210300" cy="365125"/>
+          </a:xfrm>
+        </p:spPr>
+        <p:txBody>
+          <a:bodyPr vert="horz" lIns="91440" tIns="45720" rIns="91440" bIns="45720" rtlCol="0" anchor="ctr">
+            <a:normAutofit/>
+          </a:bodyPr>
+          <a:lstStyle/>
+          <a:p>
+            <a:pPr algn="l">
+              <a:spcAft>
+                <a:spcPts val="600"/>
+              </a:spcAft>
+            </a:pPr>
+            <a:r>
+              <a:rPr lang="en-US" kern="1200">
+                <a:solidFill>
+                  <a:schemeClr val="tx1">
+                    <a:alpha val="80000"/>
+                  </a:schemeClr>
+                </a:solidFill>
+                <a:latin typeface="+mn-lt"/>
+                <a:ea typeface="+mn-ea"/>
+                <a:cs typeface="+mn-cs"/>
+              </a:rPr>
+              <a:t>Step 1 - Model - ver. 1</a:t>
+            </a:r>
+          </a:p>
+        </p:txBody>
+      </p:sp>
+      <p:sp>
+        <p:nvSpPr>
+          <p:cNvPr id="7" name="TextBox 6">
+            <a:extLst>
+              <a:ext uri="{FF2B5EF4-FFF2-40B4-BE49-F238E27FC236}">
+                <a16:creationId xmlns:a16="http://schemas.microsoft.com/office/drawing/2014/main" id="{BD40609F-3B53-E3D5-6DBD-6BD14D70FB5B}"/>
+              </a:ext>
+            </a:extLst>
+          </p:cNvPr>
+          <p:cNvSpPr txBox="1"/>
+          <p:nvPr/>
+        </p:nvSpPr>
+        <p:spPr>
+          <a:xfrm>
+            <a:off x="4054638" y="104118"/>
+            <a:ext cx="7841673" cy="1169551"/>
+          </a:xfrm>
+          <a:prstGeom prst="rect">
+            <a:avLst/>
+          </a:prstGeom>
+          <a:noFill/>
+        </p:spPr>
+        <p:txBody>
+          <a:bodyPr wrap="square">
+            <a:spAutoFit/>
+          </a:bodyPr>
+          <a:lstStyle/>
+          <a:p>
+            <a:r>
+              <a:rPr lang="en-US" sz="1400" dirty="0"/>
+              <a:t>Git </a:t>
+            </a:r>
+            <a:r>
+              <a:rPr lang="en-US" sz="1400" dirty="0" err="1"/>
+              <a:t>init</a:t>
+            </a:r>
+            <a:endParaRPr lang="en-US" sz="1400" dirty="0"/>
+          </a:p>
+          <a:p>
+            <a:r>
+              <a:rPr lang="en-US" sz="1400" dirty="0"/>
+              <a:t>The main purpose of the git </a:t>
+            </a:r>
+            <a:r>
+              <a:rPr lang="en-US" sz="1400" dirty="0" err="1"/>
+              <a:t>init</a:t>
+            </a:r>
+            <a:r>
+              <a:rPr lang="en-US" sz="1400" dirty="0"/>
+              <a:t> command is to initialize the new working environment or a new git repository to work on a new project. Before performing the git </a:t>
+            </a:r>
+            <a:r>
+              <a:rPr lang="en-US" sz="1400" dirty="0" err="1"/>
+              <a:t>init</a:t>
+            </a:r>
+            <a:r>
+              <a:rPr lang="en-US" sz="1400" dirty="0"/>
+              <a:t> command git will not track the files that are in the system it will start to track only when you initialize the git </a:t>
+            </a:r>
+            <a:r>
+              <a:rPr lang="en-US" sz="1400" dirty="0" err="1"/>
+              <a:t>init</a:t>
+            </a:r>
+            <a:r>
+              <a:rPr lang="en-US" sz="1400" dirty="0"/>
+              <a:t> command form there you can commit the files and push them to the remote repository. </a:t>
+            </a:r>
+            <a:endParaRPr lang="ru-UA" sz="1400" dirty="0"/>
+          </a:p>
+        </p:txBody>
+      </p:sp>
+      <p:sp>
+        <p:nvSpPr>
+          <p:cNvPr id="11" name="TextBox 10">
+            <a:extLst>
+              <a:ext uri="{FF2B5EF4-FFF2-40B4-BE49-F238E27FC236}">
+                <a16:creationId xmlns:a16="http://schemas.microsoft.com/office/drawing/2014/main" id="{624893BC-9ECB-7E39-73DD-2E2723E1BA6D}"/>
+              </a:ext>
+            </a:extLst>
+          </p:cNvPr>
+          <p:cNvSpPr txBox="1"/>
+          <p:nvPr/>
+        </p:nvSpPr>
+        <p:spPr>
+          <a:xfrm>
+            <a:off x="5320144" y="1238918"/>
+            <a:ext cx="3796145" cy="276999"/>
+          </a:xfrm>
+          <a:prstGeom prst="rect">
+            <a:avLst/>
+          </a:prstGeom>
+          <a:noFill/>
+        </p:spPr>
+        <p:txBody>
+          <a:bodyPr wrap="square">
+            <a:spAutoFit/>
+          </a:bodyPr>
+          <a:lstStyle/>
+          <a:p>
+            <a:r>
+              <a:rPr lang="ru-UA" sz="1200" dirty="0"/>
+              <a:t>https://www.geeksforgeeks.org/what-is-git-init/?ref=lbp</a:t>
+            </a:r>
+          </a:p>
+        </p:txBody>
+      </p:sp>
+      <p:sp>
+        <p:nvSpPr>
+          <p:cNvPr id="14" name="TextBox 13">
+            <a:extLst>
+              <a:ext uri="{FF2B5EF4-FFF2-40B4-BE49-F238E27FC236}">
+                <a16:creationId xmlns:a16="http://schemas.microsoft.com/office/drawing/2014/main" id="{448288B6-9DA8-F9ED-E41E-183AEE2089E6}"/>
+              </a:ext>
+            </a:extLst>
+          </p:cNvPr>
+          <p:cNvSpPr txBox="1"/>
+          <p:nvPr/>
+        </p:nvSpPr>
+        <p:spPr>
+          <a:xfrm>
+            <a:off x="4133850" y="1520906"/>
+            <a:ext cx="7597034" cy="954107"/>
+          </a:xfrm>
+          <a:prstGeom prst="rect">
+            <a:avLst/>
+          </a:prstGeom>
+          <a:noFill/>
+        </p:spPr>
+        <p:txBody>
+          <a:bodyPr wrap="square">
+            <a:spAutoFit/>
+          </a:bodyPr>
+          <a:lstStyle/>
+          <a:p>
+            <a:r>
+              <a:rPr lang="en-US" sz="1400" dirty="0"/>
+              <a:t>The git clone command is used to create a copy of a specific repository or branch within a repository. When you clone a repo you get a copy of the entire history of the repo. The command used for cloning any repository is:</a:t>
+            </a:r>
+          </a:p>
+          <a:p>
+            <a:r>
+              <a:rPr lang="en-US" sz="1400" dirty="0"/>
+              <a:t>    git clone &lt;repository-link&gt;</a:t>
+            </a:r>
+          </a:p>
+        </p:txBody>
+      </p:sp>
+      <p:sp>
+        <p:nvSpPr>
+          <p:cNvPr id="16" name="TextBox 15">
+            <a:extLst>
+              <a:ext uri="{FF2B5EF4-FFF2-40B4-BE49-F238E27FC236}">
+                <a16:creationId xmlns:a16="http://schemas.microsoft.com/office/drawing/2014/main" id="{5B604DDD-3DCD-F0B4-0ED7-D08F29CD1A1A}"/>
+              </a:ext>
+            </a:extLst>
+          </p:cNvPr>
+          <p:cNvSpPr txBox="1"/>
+          <p:nvPr/>
+        </p:nvSpPr>
+        <p:spPr>
+          <a:xfrm>
+            <a:off x="5299363" y="2353271"/>
+            <a:ext cx="6096000" cy="276999"/>
+          </a:xfrm>
+          <a:prstGeom prst="rect">
+            <a:avLst/>
+          </a:prstGeom>
+          <a:noFill/>
+        </p:spPr>
+        <p:txBody>
+          <a:bodyPr wrap="square">
+            <a:spAutoFit/>
+          </a:bodyPr>
+          <a:lstStyle/>
+          <a:p>
+            <a:r>
+              <a:rPr lang="en-US" sz="1200" dirty="0"/>
+              <a:t>https://www.geeksforgeeks.org/what-is-git-clone/?ref=lbp</a:t>
+            </a:r>
+            <a:endParaRPr lang="ru-UA" sz="1200" dirty="0"/>
+          </a:p>
+        </p:txBody>
+      </p:sp>
+      <p:sp>
+        <p:nvSpPr>
+          <p:cNvPr id="18" name="TextBox 17">
+            <a:extLst>
+              <a:ext uri="{FF2B5EF4-FFF2-40B4-BE49-F238E27FC236}">
+                <a16:creationId xmlns:a16="http://schemas.microsoft.com/office/drawing/2014/main" id="{3E55FD3C-0801-8952-32F0-19249F772CA3}"/>
+              </a:ext>
+            </a:extLst>
+          </p:cNvPr>
+          <p:cNvSpPr txBox="1"/>
+          <p:nvPr/>
+        </p:nvSpPr>
+        <p:spPr>
+          <a:xfrm>
+            <a:off x="4216526" y="2662416"/>
+            <a:ext cx="7762462" cy="1600438"/>
+          </a:xfrm>
+          <a:prstGeom prst="rect">
+            <a:avLst/>
+          </a:prstGeom>
+          <a:noFill/>
+        </p:spPr>
+        <p:txBody>
+          <a:bodyPr wrap="square">
+            <a:spAutoFit/>
+          </a:bodyPr>
+          <a:lstStyle/>
+          <a:p>
+            <a:r>
+              <a:rPr lang="en-US" sz="1400" dirty="0"/>
+              <a:t>For this, you have to use the command git add &lt;filename&gt;. This will add a specific file i.e., you choose from your working tree to the staging area. If you want to add all the files to the staging area then use git add. The dot(.) operator will take all the files and add them to the staging area.</a:t>
+            </a:r>
+          </a:p>
+          <a:p>
+            <a:endParaRPr lang="en-US" sz="1400" dirty="0"/>
+          </a:p>
+          <a:p>
+            <a:r>
+              <a:rPr lang="en-US" sz="1400" dirty="0"/>
+              <a:t>git add . : Staged new and modified files without deleting.</a:t>
+            </a:r>
+          </a:p>
+          <a:p>
+            <a:r>
+              <a:rPr lang="en-US" sz="1400" dirty="0"/>
+              <a:t>git add -a : Staged all files to the staging area.</a:t>
+            </a:r>
+          </a:p>
+          <a:p>
+            <a:r>
+              <a:rPr lang="en-US" sz="1400" dirty="0"/>
+              <a:t>git add -u : Staged modified and deleted files.</a:t>
+            </a:r>
+            <a:endParaRPr lang="ru-UA" sz="1400" dirty="0"/>
+          </a:p>
+        </p:txBody>
+      </p:sp>
+      <p:sp>
+        <p:nvSpPr>
+          <p:cNvPr id="20" name="TextBox 19">
+            <a:extLst>
+              <a:ext uri="{FF2B5EF4-FFF2-40B4-BE49-F238E27FC236}">
+                <a16:creationId xmlns:a16="http://schemas.microsoft.com/office/drawing/2014/main" id="{2BA5BC39-E346-F4AF-FB79-2F138A7F6486}"/>
+              </a:ext>
+            </a:extLst>
+          </p:cNvPr>
+          <p:cNvSpPr txBox="1"/>
+          <p:nvPr/>
+        </p:nvSpPr>
+        <p:spPr>
+          <a:xfrm>
+            <a:off x="5340927" y="4153591"/>
+            <a:ext cx="3837709" cy="276999"/>
+          </a:xfrm>
+          <a:prstGeom prst="rect">
+            <a:avLst/>
+          </a:prstGeom>
+          <a:noFill/>
+        </p:spPr>
+        <p:txBody>
+          <a:bodyPr wrap="square">
+            <a:spAutoFit/>
+          </a:bodyPr>
+          <a:lstStyle/>
+          <a:p>
+            <a:r>
+              <a:rPr lang="ru-UA" sz="1200" dirty="0"/>
+              <a:t>https://www.geeksforgeeks.org/what-is-git-add/?ref=lbp</a:t>
+            </a:r>
+          </a:p>
+        </p:txBody>
+      </p:sp>
+      <p:sp>
+        <p:nvSpPr>
+          <p:cNvPr id="22" name="TextBox 21">
+            <a:extLst>
+              <a:ext uri="{FF2B5EF4-FFF2-40B4-BE49-F238E27FC236}">
+                <a16:creationId xmlns:a16="http://schemas.microsoft.com/office/drawing/2014/main" id="{DE48C320-49F2-D75A-D37E-F966C2B1080E}"/>
+              </a:ext>
+            </a:extLst>
+          </p:cNvPr>
+          <p:cNvSpPr txBox="1"/>
+          <p:nvPr/>
+        </p:nvSpPr>
+        <p:spPr>
+          <a:xfrm>
+            <a:off x="4147890" y="4414685"/>
+            <a:ext cx="7748421" cy="738664"/>
+          </a:xfrm>
+          <a:prstGeom prst="rect">
+            <a:avLst/>
+          </a:prstGeom>
+          <a:noFill/>
+        </p:spPr>
+        <p:txBody>
+          <a:bodyPr wrap="square">
+            <a:spAutoFit/>
+          </a:bodyPr>
+          <a:lstStyle/>
+          <a:p>
+            <a:r>
+              <a:rPr lang="en-US" sz="1400" dirty="0"/>
+              <a:t>The git commit command is used to move files from the staging area to your local repository. This command is run after git add and it can be seen as a checkpoint. After executing the git commit, your staging area will be empty</a:t>
+            </a:r>
+            <a:endParaRPr lang="ru-UA" sz="1400" dirty="0"/>
+          </a:p>
+        </p:txBody>
+      </p:sp>
+      <p:sp>
+        <p:nvSpPr>
+          <p:cNvPr id="24" name="TextBox 23">
+            <a:extLst>
+              <a:ext uri="{FF2B5EF4-FFF2-40B4-BE49-F238E27FC236}">
+                <a16:creationId xmlns:a16="http://schemas.microsoft.com/office/drawing/2014/main" id="{6C9F260D-880E-DA55-3381-CE83A26838B3}"/>
+              </a:ext>
+            </a:extLst>
+          </p:cNvPr>
+          <p:cNvSpPr txBox="1"/>
+          <p:nvPr/>
+        </p:nvSpPr>
+        <p:spPr>
+          <a:xfrm>
+            <a:off x="5340927" y="5105091"/>
+            <a:ext cx="4069136" cy="276999"/>
+          </a:xfrm>
+          <a:prstGeom prst="rect">
+            <a:avLst/>
+          </a:prstGeom>
+          <a:noFill/>
+        </p:spPr>
+        <p:txBody>
+          <a:bodyPr wrap="square">
+            <a:spAutoFit/>
+          </a:bodyPr>
+          <a:lstStyle/>
+          <a:p>
+            <a:r>
+              <a:rPr lang="ru-UA" sz="1200" dirty="0"/>
+              <a:t>https://www.geeksforgeeks.org/what-is-git-commit/?ref=lbp</a:t>
+            </a:r>
+          </a:p>
+        </p:txBody>
+      </p:sp>
+      <p:sp>
+        <p:nvSpPr>
+          <p:cNvPr id="26" name="TextBox 25">
+            <a:extLst>
+              <a:ext uri="{FF2B5EF4-FFF2-40B4-BE49-F238E27FC236}">
+                <a16:creationId xmlns:a16="http://schemas.microsoft.com/office/drawing/2014/main" id="{717BD33F-83FE-2517-7689-C6257D59DAE0}"/>
+              </a:ext>
+            </a:extLst>
+          </p:cNvPr>
+          <p:cNvSpPr txBox="1"/>
+          <p:nvPr/>
+        </p:nvSpPr>
+        <p:spPr>
+          <a:xfrm>
+            <a:off x="4190999" y="5449825"/>
+            <a:ext cx="7705311" cy="523220"/>
+          </a:xfrm>
+          <a:prstGeom prst="rect">
+            <a:avLst/>
+          </a:prstGeom>
+          <a:noFill/>
+        </p:spPr>
+        <p:txBody>
+          <a:bodyPr wrap="square">
+            <a:spAutoFit/>
+          </a:bodyPr>
+          <a:lstStyle/>
+          <a:p>
+            <a:r>
+              <a:rPr lang="en-US" sz="1400" dirty="0"/>
+              <a:t>The git status command is used to show the status of the git repository. This command displays the state of the local directory and the staging area.</a:t>
+            </a:r>
+            <a:endParaRPr lang="ru-UA" sz="1400" dirty="0"/>
+          </a:p>
+        </p:txBody>
+      </p:sp>
+      <p:sp>
+        <p:nvSpPr>
+          <p:cNvPr id="28" name="TextBox 27">
+            <a:extLst>
+              <a:ext uri="{FF2B5EF4-FFF2-40B4-BE49-F238E27FC236}">
+                <a16:creationId xmlns:a16="http://schemas.microsoft.com/office/drawing/2014/main" id="{11070A26-BC7B-5F50-4172-0777912036CC}"/>
+              </a:ext>
+            </a:extLst>
+          </p:cNvPr>
+          <p:cNvSpPr txBox="1"/>
+          <p:nvPr/>
+        </p:nvSpPr>
+        <p:spPr>
+          <a:xfrm>
+            <a:off x="5456640" y="6131021"/>
+            <a:ext cx="3837709" cy="276999"/>
+          </a:xfrm>
+          <a:prstGeom prst="rect">
+            <a:avLst/>
+          </a:prstGeom>
+          <a:noFill/>
+        </p:spPr>
+        <p:txBody>
+          <a:bodyPr wrap="square">
+            <a:spAutoFit/>
+          </a:bodyPr>
+          <a:lstStyle/>
+          <a:p>
+            <a:r>
+              <a:rPr lang="ru-UA" sz="1200" dirty="0"/>
+              <a:t>https://www.geeksforgeeks.org/git-status/?ref=lbp</a:t>
+            </a:r>
+          </a:p>
+        </p:txBody>
+      </p:sp>
+    </p:spTree>
+    <p:extLst>
+      <p:ext uri="{BB962C8B-B14F-4D97-AF65-F5344CB8AC3E}">
+        <p14:creationId xmlns:p14="http://schemas.microsoft.com/office/powerpoint/2010/main" val="2124212909"/>
+      </p:ext>
+    </p:extLst>
+  </p:cSld>
+  <p:clrMapOvr>
+    <a:masterClrMapping/>
+  </p:clrMapOvr>
+</p:sld>
+</file>
+
 <file path=ppt/slides/slide2.xml><?xml version="1.0" encoding="utf-8"?>
 <p:sld xmlns:a="http://schemas.openxmlformats.org/drawingml/2006/main" xmlns:r="http://schemas.openxmlformats.org/officeDocument/2006/relationships" xmlns:p="http://schemas.openxmlformats.org/presentationml/2006/main">
   <p:cSld>
@@ -17782,6 +19987,1668 @@
     <p:extLst>
       <p:ext uri="{BB962C8B-B14F-4D97-AF65-F5344CB8AC3E}">
         <p14:creationId xmlns:p14="http://schemas.microsoft.com/office/powerpoint/2010/main" val="2972731808"/>
+      </p:ext>
+    </p:extLst>
+  </p:cSld>
+  <p:clrMapOvr>
+    <a:masterClrMapping/>
+  </p:clrMapOvr>
+</p:sld>
+</file>
+
+<file path=ppt/slides/slide20.xml><?xml version="1.0" encoding="utf-8"?>
+<p:sld xmlns:a="http://schemas.openxmlformats.org/drawingml/2006/main" xmlns:r="http://schemas.openxmlformats.org/officeDocument/2006/relationships" xmlns:p="http://schemas.openxmlformats.org/presentationml/2006/main">
+  <p:cSld>
+    <p:bg>
+      <p:bgPr>
+        <a:solidFill>
+          <a:schemeClr val="bg1"/>
+        </a:solidFill>
+        <a:effectLst/>
+      </p:bgPr>
+    </p:bg>
+    <p:spTree>
+      <p:nvGrpSpPr>
+        <p:cNvPr id="1" name=""/>
+        <p:cNvGrpSpPr/>
+        <p:nvPr/>
+      </p:nvGrpSpPr>
+      <p:grpSpPr>
+        <a:xfrm>
+          <a:off x="0" y="0"/>
+          <a:ext cx="0" cy="0"/>
+          <a:chOff x="0" y="0"/>
+          <a:chExt cx="0" cy="0"/>
+        </a:xfrm>
+      </p:grpSpPr>
+      <p:sp>
+        <p:nvSpPr>
+          <p:cNvPr id="13" name="Down Arrow 7">
+            <a:extLst>
+              <a:ext uri="{FF2B5EF4-FFF2-40B4-BE49-F238E27FC236}">
+                <a16:creationId xmlns:a16="http://schemas.microsoft.com/office/drawing/2014/main" id="{D4771268-CB57-404A-9271-370EB28F6090}"/>
+              </a:ext>
+              <a:ext uri="{C183D7F6-B498-43B3-948B-1728B52AA6E4}">
+                <adec:decorative xmlns:adec="http://schemas.microsoft.com/office/drawing/2017/decorative" val="1"/>
+              </a:ext>
+            </a:extLst>
+          </p:cNvPr>
+          <p:cNvSpPr>
+            <a:spLocks noGrp="1" noRot="1" noChangeAspect="1" noMove="1" noResize="1" noEditPoints="1" noAdjustHandles="1" noChangeArrowheads="1" noChangeShapeType="1" noTextEdit="1"/>
+          </p:cNvSpPr>
+          <p:nvPr>
+            <p:extLst>
+              <p:ext uri="{386F3935-93C4-4BCD-93E2-E3B085C9AB24}">
+                <p16:designElem xmlns:p16="http://schemas.microsoft.com/office/powerpoint/2015/main" val="1"/>
+              </p:ext>
+            </p:extLst>
+          </p:nvPr>
+        </p:nvSpPr>
+        <p:spPr>
+          <a:xfrm rot="16200000">
+            <a:off x="800100" y="1491343"/>
+            <a:ext cx="3333749" cy="3499103"/>
+          </a:xfrm>
+          <a:prstGeom prst="downArrow">
+            <a:avLst>
+              <a:gd name="adj1" fmla="val 100000"/>
+              <a:gd name="adj2" fmla="val 15788"/>
+            </a:avLst>
+          </a:prstGeom>
+          <a:solidFill>
+            <a:srgbClr val="404040"/>
+          </a:solidFill>
+          <a:ln w="53975">
+            <a:noFill/>
+          </a:ln>
+        </p:spPr>
+        <p:style>
+          <a:lnRef idx="2">
+            <a:schemeClr val="accent1">
+              <a:shade val="50000"/>
+            </a:schemeClr>
+          </a:lnRef>
+          <a:fillRef idx="1">
+            <a:schemeClr val="accent1"/>
+          </a:fillRef>
+          <a:effectRef idx="0">
+            <a:schemeClr val="accent1"/>
+          </a:effectRef>
+          <a:fontRef idx="minor">
+            <a:schemeClr val="lt1"/>
+          </a:fontRef>
+        </p:style>
+        <p:txBody>
+          <a:bodyPr rtlCol="0" anchor="ctr"/>
+          <a:lstStyle/>
+          <a:p>
+            <a:pPr algn="ctr"/>
+            <a:endParaRPr lang="en-US"/>
+          </a:p>
+        </p:txBody>
+      </p:sp>
+      <p:sp>
+        <p:nvSpPr>
+          <p:cNvPr id="2" name="Title 1">
+            <a:extLst>
+              <a:ext uri="{FF2B5EF4-FFF2-40B4-BE49-F238E27FC236}">
+                <a16:creationId xmlns:a16="http://schemas.microsoft.com/office/drawing/2014/main" id="{53C5D828-9666-E312-B574-9FE965A7D6BE}"/>
+              </a:ext>
+            </a:extLst>
+          </p:cNvPr>
+          <p:cNvSpPr>
+            <a:spLocks noGrp="1"/>
+          </p:cNvSpPr>
+          <p:nvPr>
+            <p:ph type="title"/>
+          </p:nvPr>
+        </p:nvSpPr>
+        <p:spPr>
+          <a:xfrm>
+            <a:off x="1028700" y="1967266"/>
+            <a:ext cx="2628900" cy="2547257"/>
+          </a:xfrm>
+          <a:noFill/>
+        </p:spPr>
+        <p:txBody>
+          <a:bodyPr vert="horz" lIns="91440" tIns="45720" rIns="91440" bIns="45720" rtlCol="0" anchor="ctr">
+            <a:normAutofit/>
+          </a:bodyPr>
+          <a:lstStyle/>
+          <a:p>
+            <a:pPr algn="ctr"/>
+            <a:r>
+              <a:rPr lang="en-US" sz="3600" kern="1200" dirty="0">
+                <a:solidFill>
+                  <a:srgbClr val="FFFFFF"/>
+                </a:solidFill>
+                <a:latin typeface="+mj-lt"/>
+                <a:ea typeface="+mj-ea"/>
+                <a:cs typeface="+mj-cs"/>
+              </a:rPr>
+              <a:t>Git:  Branching</a:t>
+            </a:r>
+          </a:p>
+        </p:txBody>
+      </p:sp>
+      <p:sp>
+        <p:nvSpPr>
+          <p:cNvPr id="3" name="Footer Placeholder 2">
+            <a:extLst>
+              <a:ext uri="{FF2B5EF4-FFF2-40B4-BE49-F238E27FC236}">
+                <a16:creationId xmlns:a16="http://schemas.microsoft.com/office/drawing/2014/main" id="{5AA19FA0-A765-8169-03F1-928E3EF7B595}"/>
+              </a:ext>
+            </a:extLst>
+          </p:cNvPr>
+          <p:cNvSpPr>
+            <a:spLocks noGrp="1"/>
+          </p:cNvSpPr>
+          <p:nvPr>
+            <p:ph type="ftr" sz="quarter" idx="11"/>
+          </p:nvPr>
+        </p:nvSpPr>
+        <p:spPr>
+          <a:xfrm>
+            <a:off x="1028700" y="6356350"/>
+            <a:ext cx="6210300" cy="365125"/>
+          </a:xfrm>
+        </p:spPr>
+        <p:txBody>
+          <a:bodyPr vert="horz" lIns="91440" tIns="45720" rIns="91440" bIns="45720" rtlCol="0" anchor="ctr">
+            <a:normAutofit/>
+          </a:bodyPr>
+          <a:lstStyle/>
+          <a:p>
+            <a:pPr algn="l">
+              <a:spcAft>
+                <a:spcPts val="600"/>
+              </a:spcAft>
+            </a:pPr>
+            <a:r>
+              <a:rPr lang="en-US" kern="1200">
+                <a:solidFill>
+                  <a:schemeClr val="tx1">
+                    <a:alpha val="80000"/>
+                  </a:schemeClr>
+                </a:solidFill>
+                <a:latin typeface="+mn-lt"/>
+                <a:ea typeface="+mn-ea"/>
+                <a:cs typeface="+mn-cs"/>
+              </a:rPr>
+              <a:t>Step 1 - Model - ver. 1</a:t>
+            </a:r>
+          </a:p>
+        </p:txBody>
+      </p:sp>
+      <p:sp>
+        <p:nvSpPr>
+          <p:cNvPr id="7" name="TextBox 6">
+            <a:extLst>
+              <a:ext uri="{FF2B5EF4-FFF2-40B4-BE49-F238E27FC236}">
+                <a16:creationId xmlns:a16="http://schemas.microsoft.com/office/drawing/2014/main" id="{97777EB2-12FA-074D-1007-FF7343BDF33D}"/>
+              </a:ext>
+            </a:extLst>
+          </p:cNvPr>
+          <p:cNvSpPr txBox="1"/>
+          <p:nvPr/>
+        </p:nvSpPr>
+        <p:spPr>
+          <a:xfrm>
+            <a:off x="4779818" y="1532734"/>
+            <a:ext cx="6096000" cy="3416320"/>
+          </a:xfrm>
+          <a:prstGeom prst="rect">
+            <a:avLst/>
+          </a:prstGeom>
+          <a:noFill/>
+        </p:spPr>
+        <p:txBody>
+          <a:bodyPr wrap="square">
+            <a:spAutoFit/>
+          </a:bodyPr>
+          <a:lstStyle/>
+          <a:p>
+            <a:r>
+              <a:rPr lang="en-US" dirty="0"/>
+              <a:t>Branching in Git is a helpful feature for software developers working on a big team project. It allows the team members to work on different aspects of the software by creating a branch from the main branch. The main branch is not affected by the changes in the created branch until it is merged into the main branch. Once, work is complete for the branch, it can be merged into the main branch to incorporate the changes. It can be used for better management of files related to the software. It also helps us try or experiment with adding some new features to the code; if it works well, it can be merged with the main code in the main branch. In this article, we will learn how to create a new branch in Git and push the code to it.</a:t>
+            </a:r>
+            <a:endParaRPr lang="ru-UA" dirty="0"/>
+          </a:p>
+        </p:txBody>
+      </p:sp>
+      <p:sp>
+        <p:nvSpPr>
+          <p:cNvPr id="11" name="TextBox 10">
+            <a:extLst>
+              <a:ext uri="{FF2B5EF4-FFF2-40B4-BE49-F238E27FC236}">
+                <a16:creationId xmlns:a16="http://schemas.microsoft.com/office/drawing/2014/main" id="{BA2092DE-7EFF-D3A4-01AB-E662869D481E}"/>
+              </a:ext>
+            </a:extLst>
+          </p:cNvPr>
+          <p:cNvSpPr txBox="1"/>
+          <p:nvPr/>
+        </p:nvSpPr>
+        <p:spPr>
+          <a:xfrm>
+            <a:off x="3228109" y="5461108"/>
+            <a:ext cx="6511636" cy="276999"/>
+          </a:xfrm>
+          <a:prstGeom prst="rect">
+            <a:avLst/>
+          </a:prstGeom>
+          <a:noFill/>
+        </p:spPr>
+        <p:txBody>
+          <a:bodyPr wrap="square">
+            <a:spAutoFit/>
+          </a:bodyPr>
+          <a:lstStyle/>
+          <a:p>
+            <a:r>
+              <a:rPr lang="en-US" sz="1200" dirty="0"/>
+              <a:t>https://www.geeksforgeeks.org/how-to-create-a-new-branch-in-git-and-push-the-code/?ref=lbp</a:t>
+            </a:r>
+            <a:endParaRPr lang="ru-UA" sz="1200" dirty="0"/>
+          </a:p>
+        </p:txBody>
+      </p:sp>
+    </p:spTree>
+    <p:extLst>
+      <p:ext uri="{BB962C8B-B14F-4D97-AF65-F5344CB8AC3E}">
+        <p14:creationId xmlns:p14="http://schemas.microsoft.com/office/powerpoint/2010/main" val="526545511"/>
+      </p:ext>
+    </p:extLst>
+  </p:cSld>
+  <p:clrMapOvr>
+    <a:masterClrMapping/>
+  </p:clrMapOvr>
+</p:sld>
+</file>
+
+<file path=ppt/slides/slide21.xml><?xml version="1.0" encoding="utf-8"?>
+<p:sld xmlns:a="http://schemas.openxmlformats.org/drawingml/2006/main" xmlns:r="http://schemas.openxmlformats.org/officeDocument/2006/relationships" xmlns:p="http://schemas.openxmlformats.org/presentationml/2006/main">
+  <p:cSld>
+    <p:bg>
+      <p:bgPr>
+        <a:solidFill>
+          <a:schemeClr val="bg1"/>
+        </a:solidFill>
+        <a:effectLst/>
+      </p:bgPr>
+    </p:bg>
+    <p:spTree>
+      <p:nvGrpSpPr>
+        <p:cNvPr id="1" name=""/>
+        <p:cNvGrpSpPr/>
+        <p:nvPr/>
+      </p:nvGrpSpPr>
+      <p:grpSpPr>
+        <a:xfrm>
+          <a:off x="0" y="0"/>
+          <a:ext cx="0" cy="0"/>
+          <a:chOff x="0" y="0"/>
+          <a:chExt cx="0" cy="0"/>
+        </a:xfrm>
+      </p:grpSpPr>
+      <p:sp>
+        <p:nvSpPr>
+          <p:cNvPr id="13" name="Down Arrow 7">
+            <a:extLst>
+              <a:ext uri="{FF2B5EF4-FFF2-40B4-BE49-F238E27FC236}">
+                <a16:creationId xmlns:a16="http://schemas.microsoft.com/office/drawing/2014/main" id="{D4771268-CB57-404A-9271-370EB28F6090}"/>
+              </a:ext>
+              <a:ext uri="{C183D7F6-B498-43B3-948B-1728B52AA6E4}">
+                <adec:decorative xmlns:adec="http://schemas.microsoft.com/office/drawing/2017/decorative" val="1"/>
+              </a:ext>
+            </a:extLst>
+          </p:cNvPr>
+          <p:cNvSpPr>
+            <a:spLocks noGrp="1" noRot="1" noChangeAspect="1" noMove="1" noResize="1" noEditPoints="1" noAdjustHandles="1" noChangeArrowheads="1" noChangeShapeType="1" noTextEdit="1"/>
+          </p:cNvSpPr>
+          <p:nvPr>
+            <p:extLst>
+              <p:ext uri="{386F3935-93C4-4BCD-93E2-E3B085C9AB24}">
+                <p16:designElem xmlns:p16="http://schemas.microsoft.com/office/powerpoint/2015/main" val="1"/>
+              </p:ext>
+            </p:extLst>
+          </p:nvPr>
+        </p:nvSpPr>
+        <p:spPr>
+          <a:xfrm rot="16200000">
+            <a:off x="800100" y="1491343"/>
+            <a:ext cx="3333749" cy="3499103"/>
+          </a:xfrm>
+          <a:prstGeom prst="downArrow">
+            <a:avLst>
+              <a:gd name="adj1" fmla="val 100000"/>
+              <a:gd name="adj2" fmla="val 15788"/>
+            </a:avLst>
+          </a:prstGeom>
+          <a:solidFill>
+            <a:srgbClr val="404040"/>
+          </a:solidFill>
+          <a:ln w="53975">
+            <a:noFill/>
+          </a:ln>
+        </p:spPr>
+        <p:style>
+          <a:lnRef idx="2">
+            <a:schemeClr val="accent1">
+              <a:shade val="50000"/>
+            </a:schemeClr>
+          </a:lnRef>
+          <a:fillRef idx="1">
+            <a:schemeClr val="accent1"/>
+          </a:fillRef>
+          <a:effectRef idx="0">
+            <a:schemeClr val="accent1"/>
+          </a:effectRef>
+          <a:fontRef idx="minor">
+            <a:schemeClr val="lt1"/>
+          </a:fontRef>
+        </p:style>
+        <p:txBody>
+          <a:bodyPr rtlCol="0" anchor="ctr"/>
+          <a:lstStyle/>
+          <a:p>
+            <a:pPr algn="ctr"/>
+            <a:endParaRPr lang="en-US"/>
+          </a:p>
+        </p:txBody>
+      </p:sp>
+      <p:sp>
+        <p:nvSpPr>
+          <p:cNvPr id="2" name="Title 1">
+            <a:extLst>
+              <a:ext uri="{FF2B5EF4-FFF2-40B4-BE49-F238E27FC236}">
+                <a16:creationId xmlns:a16="http://schemas.microsoft.com/office/drawing/2014/main" id="{53C5D828-9666-E312-B574-9FE965A7D6BE}"/>
+              </a:ext>
+            </a:extLst>
+          </p:cNvPr>
+          <p:cNvSpPr>
+            <a:spLocks noGrp="1"/>
+          </p:cNvSpPr>
+          <p:nvPr>
+            <p:ph type="title"/>
+          </p:nvPr>
+        </p:nvSpPr>
+        <p:spPr>
+          <a:xfrm>
+            <a:off x="1028700" y="1967266"/>
+            <a:ext cx="2628900" cy="2547257"/>
+          </a:xfrm>
+          <a:noFill/>
+        </p:spPr>
+        <p:txBody>
+          <a:bodyPr vert="horz" lIns="91440" tIns="45720" rIns="91440" bIns="45720" rtlCol="0" anchor="ctr">
+            <a:normAutofit/>
+          </a:bodyPr>
+          <a:lstStyle/>
+          <a:p>
+            <a:pPr algn="ctr"/>
+            <a:r>
+              <a:rPr lang="en-US" sz="3600" kern="1200" dirty="0">
+                <a:solidFill>
+                  <a:srgbClr val="FFFFFF"/>
+                </a:solidFill>
+                <a:latin typeface="+mj-lt"/>
+                <a:ea typeface="+mj-ea"/>
+                <a:cs typeface="+mj-cs"/>
+              </a:rPr>
+              <a:t>Git: Remote Repositories</a:t>
+            </a:r>
+          </a:p>
+        </p:txBody>
+      </p:sp>
+      <p:sp>
+        <p:nvSpPr>
+          <p:cNvPr id="3" name="Footer Placeholder 2">
+            <a:extLst>
+              <a:ext uri="{FF2B5EF4-FFF2-40B4-BE49-F238E27FC236}">
+                <a16:creationId xmlns:a16="http://schemas.microsoft.com/office/drawing/2014/main" id="{5AA19FA0-A765-8169-03F1-928E3EF7B595}"/>
+              </a:ext>
+            </a:extLst>
+          </p:cNvPr>
+          <p:cNvSpPr>
+            <a:spLocks noGrp="1"/>
+          </p:cNvSpPr>
+          <p:nvPr>
+            <p:ph type="ftr" sz="quarter" idx="11"/>
+          </p:nvPr>
+        </p:nvSpPr>
+        <p:spPr>
+          <a:xfrm>
+            <a:off x="1028700" y="6356350"/>
+            <a:ext cx="6210300" cy="365125"/>
+          </a:xfrm>
+        </p:spPr>
+        <p:txBody>
+          <a:bodyPr vert="horz" lIns="91440" tIns="45720" rIns="91440" bIns="45720" rtlCol="0" anchor="ctr">
+            <a:normAutofit/>
+          </a:bodyPr>
+          <a:lstStyle/>
+          <a:p>
+            <a:pPr algn="l">
+              <a:spcAft>
+                <a:spcPts val="600"/>
+              </a:spcAft>
+            </a:pPr>
+            <a:r>
+              <a:rPr lang="en-US" kern="1200">
+                <a:solidFill>
+                  <a:schemeClr val="tx1">
+                    <a:alpha val="80000"/>
+                  </a:schemeClr>
+                </a:solidFill>
+                <a:latin typeface="+mn-lt"/>
+                <a:ea typeface="+mn-ea"/>
+                <a:cs typeface="+mn-cs"/>
+              </a:rPr>
+              <a:t>Step 1 - Model - ver. 1</a:t>
+            </a:r>
+          </a:p>
+        </p:txBody>
+      </p:sp>
+      <p:sp>
+        <p:nvSpPr>
+          <p:cNvPr id="5" name="TextBox 4">
+            <a:extLst>
+              <a:ext uri="{FF2B5EF4-FFF2-40B4-BE49-F238E27FC236}">
+                <a16:creationId xmlns:a16="http://schemas.microsoft.com/office/drawing/2014/main" id="{EAF8ED62-DEB2-772E-4D77-B5E4BECADC24}"/>
+              </a:ext>
+            </a:extLst>
+          </p:cNvPr>
+          <p:cNvSpPr txBox="1"/>
+          <p:nvPr/>
+        </p:nvSpPr>
+        <p:spPr>
+          <a:xfrm>
+            <a:off x="4378036" y="5493560"/>
+            <a:ext cx="6096000" cy="276999"/>
+          </a:xfrm>
+          <a:prstGeom prst="rect">
+            <a:avLst/>
+          </a:prstGeom>
+          <a:noFill/>
+        </p:spPr>
+        <p:txBody>
+          <a:bodyPr wrap="square">
+            <a:spAutoFit/>
+          </a:bodyPr>
+          <a:lstStyle/>
+          <a:p>
+            <a:r>
+              <a:rPr lang="en-US" sz="1200" dirty="0"/>
+              <a:t>https://www.geeksforgeeks.org/handling-repositories-with-git-remote/?ref=lbp</a:t>
+            </a:r>
+            <a:endParaRPr lang="ru-UA" sz="1200" dirty="0"/>
+          </a:p>
+        </p:txBody>
+      </p:sp>
+      <p:sp>
+        <p:nvSpPr>
+          <p:cNvPr id="8" name="TextBox 7">
+            <a:extLst>
+              <a:ext uri="{FF2B5EF4-FFF2-40B4-BE49-F238E27FC236}">
+                <a16:creationId xmlns:a16="http://schemas.microsoft.com/office/drawing/2014/main" id="{FD5A716E-9DF6-0109-1148-63B896E40EC0}"/>
+              </a:ext>
+            </a:extLst>
+          </p:cNvPr>
+          <p:cNvSpPr txBox="1"/>
+          <p:nvPr/>
+        </p:nvSpPr>
+        <p:spPr>
+          <a:xfrm>
+            <a:off x="4123912" y="660452"/>
+            <a:ext cx="7703127" cy="4524315"/>
+          </a:xfrm>
+          <a:prstGeom prst="rect">
+            <a:avLst/>
+          </a:prstGeom>
+          <a:noFill/>
+        </p:spPr>
+        <p:txBody>
+          <a:bodyPr wrap="square">
+            <a:spAutoFit/>
+          </a:bodyPr>
+          <a:lstStyle/>
+          <a:p>
+            <a:r>
+              <a:rPr lang="en-US" dirty="0"/>
+              <a:t>Git relies on the basis of distributed development of software where more than one developer may have access to the source code of a specific application and can modify changes to it which may be seen by other developers. This is done by connecting the online repository with the developer’s local repository by remote access. Git provides a command ‘remote‘ to do the above-mentioned task.</a:t>
+            </a:r>
+          </a:p>
+          <a:p>
+            <a:endParaRPr lang="en-US" dirty="0"/>
+          </a:p>
+          <a:p>
+            <a:r>
+              <a:rPr lang="en-US" dirty="0"/>
+              <a:t>git remote</a:t>
+            </a:r>
+          </a:p>
+          <a:p>
+            <a:endParaRPr lang="en-US" dirty="0"/>
+          </a:p>
+          <a:p>
+            <a:r>
+              <a:rPr lang="en-US" dirty="0"/>
+              <a:t>Git ‘remote‘ command helps you to manage the set of repository whose branches you track. This command is used to perform the sync operations required to keep the local repository updated as per the central repository and also to update the changes made by the developer in the local repository on the central repository. These changes are pushed or fetched to/from the central repository with the use of push and pull commands.</a:t>
+            </a:r>
+          </a:p>
+          <a:p>
+            <a:r>
+              <a:rPr lang="en-US" dirty="0"/>
+              <a:t>Working with remote repositories is made easier with the use of some sub-commands under git remote command.</a:t>
+            </a:r>
+            <a:endParaRPr lang="ru-UA" dirty="0"/>
+          </a:p>
+        </p:txBody>
+      </p:sp>
+    </p:spTree>
+    <p:extLst>
+      <p:ext uri="{BB962C8B-B14F-4D97-AF65-F5344CB8AC3E}">
+        <p14:creationId xmlns:p14="http://schemas.microsoft.com/office/powerpoint/2010/main" val="1313150803"/>
+      </p:ext>
+    </p:extLst>
+  </p:cSld>
+  <p:clrMapOvr>
+    <a:masterClrMapping/>
+  </p:clrMapOvr>
+</p:sld>
+</file>
+
+<file path=ppt/slides/slide22.xml><?xml version="1.0" encoding="utf-8"?>
+<p:sld xmlns:a="http://schemas.openxmlformats.org/drawingml/2006/main" xmlns:r="http://schemas.openxmlformats.org/officeDocument/2006/relationships" xmlns:p="http://schemas.openxmlformats.org/presentationml/2006/main">
+  <p:cSld>
+    <p:bg>
+      <p:bgPr>
+        <a:solidFill>
+          <a:schemeClr val="bg1"/>
+        </a:solidFill>
+        <a:effectLst/>
+      </p:bgPr>
+    </p:bg>
+    <p:spTree>
+      <p:nvGrpSpPr>
+        <p:cNvPr id="1" name=""/>
+        <p:cNvGrpSpPr/>
+        <p:nvPr/>
+      </p:nvGrpSpPr>
+      <p:grpSpPr>
+        <a:xfrm>
+          <a:off x="0" y="0"/>
+          <a:ext cx="0" cy="0"/>
+          <a:chOff x="0" y="0"/>
+          <a:chExt cx="0" cy="0"/>
+        </a:xfrm>
+      </p:grpSpPr>
+      <p:sp>
+        <p:nvSpPr>
+          <p:cNvPr id="11" name="Down Arrow 7">
+            <a:extLst>
+              <a:ext uri="{FF2B5EF4-FFF2-40B4-BE49-F238E27FC236}">
+                <a16:creationId xmlns:a16="http://schemas.microsoft.com/office/drawing/2014/main" id="{D4771268-CB57-404A-9271-370EB28F6090}"/>
+              </a:ext>
+              <a:ext uri="{C183D7F6-B498-43B3-948B-1728B52AA6E4}">
+                <adec:decorative xmlns:adec="http://schemas.microsoft.com/office/drawing/2017/decorative" val="1"/>
+              </a:ext>
+            </a:extLst>
+          </p:cNvPr>
+          <p:cNvSpPr>
+            <a:spLocks noGrp="1" noRot="1" noChangeAspect="1" noMove="1" noResize="1" noEditPoints="1" noAdjustHandles="1" noChangeArrowheads="1" noChangeShapeType="1" noTextEdit="1"/>
+          </p:cNvSpPr>
+          <p:nvPr>
+            <p:extLst>
+              <p:ext uri="{386F3935-93C4-4BCD-93E2-E3B085C9AB24}">
+                <p16:designElem xmlns:p16="http://schemas.microsoft.com/office/powerpoint/2015/main" val="1"/>
+              </p:ext>
+            </p:extLst>
+          </p:nvPr>
+        </p:nvSpPr>
+        <p:spPr>
+          <a:xfrm rot="16200000">
+            <a:off x="800100" y="1491343"/>
+            <a:ext cx="3333749" cy="3499103"/>
+          </a:xfrm>
+          <a:prstGeom prst="downArrow">
+            <a:avLst>
+              <a:gd name="adj1" fmla="val 100000"/>
+              <a:gd name="adj2" fmla="val 15788"/>
+            </a:avLst>
+          </a:prstGeom>
+          <a:solidFill>
+            <a:srgbClr val="404040"/>
+          </a:solidFill>
+          <a:ln w="53975">
+            <a:noFill/>
+          </a:ln>
+        </p:spPr>
+        <p:style>
+          <a:lnRef idx="2">
+            <a:schemeClr val="accent1">
+              <a:shade val="50000"/>
+            </a:schemeClr>
+          </a:lnRef>
+          <a:fillRef idx="1">
+            <a:schemeClr val="accent1"/>
+          </a:fillRef>
+          <a:effectRef idx="0">
+            <a:schemeClr val="accent1"/>
+          </a:effectRef>
+          <a:fontRef idx="minor">
+            <a:schemeClr val="lt1"/>
+          </a:fontRef>
+        </p:style>
+        <p:txBody>
+          <a:bodyPr rtlCol="0" anchor="ctr"/>
+          <a:lstStyle/>
+          <a:p>
+            <a:pPr algn="ctr"/>
+            <a:endParaRPr lang="en-US"/>
+          </a:p>
+        </p:txBody>
+      </p:sp>
+      <p:sp>
+        <p:nvSpPr>
+          <p:cNvPr id="2" name="Title 1">
+            <a:extLst>
+              <a:ext uri="{FF2B5EF4-FFF2-40B4-BE49-F238E27FC236}">
+                <a16:creationId xmlns:a16="http://schemas.microsoft.com/office/drawing/2014/main" id="{53C5D828-9666-E312-B574-9FE965A7D6BE}"/>
+              </a:ext>
+            </a:extLst>
+          </p:cNvPr>
+          <p:cNvSpPr>
+            <a:spLocks noGrp="1"/>
+          </p:cNvSpPr>
+          <p:nvPr>
+            <p:ph type="title"/>
+          </p:nvPr>
+        </p:nvSpPr>
+        <p:spPr>
+          <a:xfrm>
+            <a:off x="1028700" y="1967266"/>
+            <a:ext cx="2628900" cy="2547257"/>
+          </a:xfrm>
+          <a:noFill/>
+        </p:spPr>
+        <p:txBody>
+          <a:bodyPr vert="horz" lIns="91440" tIns="45720" rIns="91440" bIns="45720" rtlCol="0" anchor="ctr">
+            <a:normAutofit/>
+          </a:bodyPr>
+          <a:lstStyle/>
+          <a:p>
+            <a:pPr algn="ctr"/>
+            <a:r>
+              <a:rPr lang="en-US" sz="3600" kern="1200" dirty="0">
+                <a:solidFill>
+                  <a:srgbClr val="FFFFFF"/>
+                </a:solidFill>
+                <a:latin typeface="+mj-lt"/>
+                <a:ea typeface="+mj-ea"/>
+                <a:cs typeface="+mj-cs"/>
+              </a:rPr>
+              <a:t>Git: Advanced</a:t>
+            </a:r>
+          </a:p>
+        </p:txBody>
+      </p:sp>
+      <p:pic>
+        <p:nvPicPr>
+          <p:cNvPr id="6" name="Picture 5">
+            <a:extLst>
+              <a:ext uri="{FF2B5EF4-FFF2-40B4-BE49-F238E27FC236}">
+                <a16:creationId xmlns:a16="http://schemas.microsoft.com/office/drawing/2014/main" id="{540496AA-0B24-0040-9F44-BAFA2FCB0BAA}"/>
+              </a:ext>
+            </a:extLst>
+          </p:cNvPr>
+          <p:cNvPicPr>
+            <a:picLocks noChangeAspect="1"/>
+          </p:cNvPicPr>
+          <p:nvPr/>
+        </p:nvPicPr>
+        <p:blipFill>
+          <a:blip r:embed="rId2"/>
+          <a:stretch>
+            <a:fillRect/>
+          </a:stretch>
+        </p:blipFill>
+        <p:spPr>
+          <a:xfrm>
+            <a:off x="1028700" y="5065185"/>
+            <a:ext cx="1277121" cy="656805"/>
+          </a:xfrm>
+          <a:prstGeom prst="rect">
+            <a:avLst/>
+          </a:prstGeom>
+        </p:spPr>
+      </p:pic>
+      <p:sp>
+        <p:nvSpPr>
+          <p:cNvPr id="3" name="Footer Placeholder 2">
+            <a:extLst>
+              <a:ext uri="{FF2B5EF4-FFF2-40B4-BE49-F238E27FC236}">
+                <a16:creationId xmlns:a16="http://schemas.microsoft.com/office/drawing/2014/main" id="{5AA19FA0-A765-8169-03F1-928E3EF7B595}"/>
+              </a:ext>
+            </a:extLst>
+          </p:cNvPr>
+          <p:cNvSpPr>
+            <a:spLocks noGrp="1"/>
+          </p:cNvSpPr>
+          <p:nvPr>
+            <p:ph type="ftr" sz="quarter" idx="11"/>
+          </p:nvPr>
+        </p:nvSpPr>
+        <p:spPr>
+          <a:xfrm>
+            <a:off x="1028700" y="6356350"/>
+            <a:ext cx="6210300" cy="365125"/>
+          </a:xfrm>
+        </p:spPr>
+        <p:txBody>
+          <a:bodyPr vert="horz" lIns="91440" tIns="45720" rIns="91440" bIns="45720" rtlCol="0" anchor="ctr">
+            <a:normAutofit/>
+          </a:bodyPr>
+          <a:lstStyle/>
+          <a:p>
+            <a:pPr algn="l">
+              <a:spcAft>
+                <a:spcPts val="600"/>
+              </a:spcAft>
+            </a:pPr>
+            <a:r>
+              <a:rPr lang="en-US" kern="1200">
+                <a:solidFill>
+                  <a:schemeClr val="tx1">
+                    <a:alpha val="80000"/>
+                  </a:schemeClr>
+                </a:solidFill>
+                <a:latin typeface="+mn-lt"/>
+                <a:ea typeface="+mn-ea"/>
+                <a:cs typeface="+mn-cs"/>
+              </a:rPr>
+              <a:t>Step 1 - Model - ver. 1</a:t>
+            </a:r>
+          </a:p>
+        </p:txBody>
+      </p:sp>
+      <p:pic>
+        <p:nvPicPr>
+          <p:cNvPr id="4" name="Picture 3">
+            <a:extLst>
+              <a:ext uri="{FF2B5EF4-FFF2-40B4-BE49-F238E27FC236}">
+                <a16:creationId xmlns:a16="http://schemas.microsoft.com/office/drawing/2014/main" id="{A0BC4B95-C04B-0DF3-636D-1DDA19522BE3}"/>
+              </a:ext>
+            </a:extLst>
+          </p:cNvPr>
+          <p:cNvPicPr>
+            <a:picLocks noChangeAspect="1"/>
+          </p:cNvPicPr>
+          <p:nvPr/>
+        </p:nvPicPr>
+        <p:blipFill>
+          <a:blip r:embed="rId3"/>
+          <a:stretch>
+            <a:fillRect/>
+          </a:stretch>
+        </p:blipFill>
+        <p:spPr>
+          <a:xfrm>
+            <a:off x="2422052" y="5065185"/>
+            <a:ext cx="1235548" cy="661455"/>
+          </a:xfrm>
+          <a:prstGeom prst="rect">
+            <a:avLst/>
+          </a:prstGeom>
+        </p:spPr>
+      </p:pic>
+      <p:sp>
+        <p:nvSpPr>
+          <p:cNvPr id="7" name="TextBox 6">
+            <a:extLst>
+              <a:ext uri="{FF2B5EF4-FFF2-40B4-BE49-F238E27FC236}">
+                <a16:creationId xmlns:a16="http://schemas.microsoft.com/office/drawing/2014/main" id="{C8D4ACD5-BB85-5131-B2D2-7152F5D23053}"/>
+              </a:ext>
+            </a:extLst>
+          </p:cNvPr>
+          <p:cNvSpPr txBox="1"/>
+          <p:nvPr/>
+        </p:nvSpPr>
+        <p:spPr>
+          <a:xfrm>
+            <a:off x="4161560" y="508179"/>
+            <a:ext cx="8091055" cy="523220"/>
+          </a:xfrm>
+          <a:prstGeom prst="rect">
+            <a:avLst/>
+          </a:prstGeom>
+          <a:noFill/>
+        </p:spPr>
+        <p:txBody>
+          <a:bodyPr wrap="square">
+            <a:spAutoFit/>
+          </a:bodyPr>
+          <a:lstStyle/>
+          <a:p>
+            <a:r>
+              <a:rPr lang="en-US" sz="1400" dirty="0"/>
+              <a:t>Rebasing in Git is a process of integrating a series of commits on top of another base tip. It takes all the commits of a branch and appends them to the commits of a new branch</a:t>
+            </a:r>
+            <a:endParaRPr lang="ru-UA" sz="1400" dirty="0"/>
+          </a:p>
+        </p:txBody>
+      </p:sp>
+      <p:sp>
+        <p:nvSpPr>
+          <p:cNvPr id="10" name="TextBox 9">
+            <a:extLst>
+              <a:ext uri="{FF2B5EF4-FFF2-40B4-BE49-F238E27FC236}">
+                <a16:creationId xmlns:a16="http://schemas.microsoft.com/office/drawing/2014/main" id="{B9F3790D-5C1B-298B-E7D8-B727F5EDB781}"/>
+              </a:ext>
+            </a:extLst>
+          </p:cNvPr>
+          <p:cNvSpPr txBox="1"/>
+          <p:nvPr/>
+        </p:nvSpPr>
+        <p:spPr>
+          <a:xfrm>
+            <a:off x="4133850" y="955898"/>
+            <a:ext cx="7959886" cy="1815882"/>
+          </a:xfrm>
+          <a:prstGeom prst="rect">
+            <a:avLst/>
+          </a:prstGeom>
+          <a:noFill/>
+        </p:spPr>
+        <p:txBody>
+          <a:bodyPr wrap="square">
+            <a:spAutoFit/>
+          </a:bodyPr>
+          <a:lstStyle/>
+          <a:p>
+            <a:pPr algn="just"/>
+            <a:r>
+              <a:rPr lang="en-US" sz="1400" dirty="0">
+                <a:effectLst/>
+              </a:rPr>
+              <a:t>The main aim of rebasing is to maintain a progressively straight and cleaner project history. Rebasing gives rise to a perfectly linear project history that can follow the end commit of the feature all the way to the beginning of the project without even forking. This makes it easier to navigate your project.</a:t>
+            </a:r>
+          </a:p>
+          <a:p>
+            <a:pPr algn="just"/>
+            <a:r>
+              <a:rPr lang="en-US" sz="1400" dirty="0">
+                <a:effectLst/>
+              </a:rPr>
+              <a:t>You can integrate the feature branch into the main branch in two ways. the first one is by merging directly into a main branch or first rebasing and then merging. The below diagram shows If you rebase the feature branch first it will facilitate a fast-forward merge. Integrating upstream updates into your local repository is frequently done by rebasing. Git merge causes an unnecessary merging to commit each time you want to see how the project has advanced when you pull in upstream modifications.</a:t>
+            </a:r>
+          </a:p>
+        </p:txBody>
+      </p:sp>
+      <p:sp>
+        <p:nvSpPr>
+          <p:cNvPr id="13" name="TextBox 12">
+            <a:extLst>
+              <a:ext uri="{FF2B5EF4-FFF2-40B4-BE49-F238E27FC236}">
+                <a16:creationId xmlns:a16="http://schemas.microsoft.com/office/drawing/2014/main" id="{483ED696-EED7-A656-DB19-099989E5ED63}"/>
+              </a:ext>
+            </a:extLst>
+          </p:cNvPr>
+          <p:cNvSpPr txBox="1"/>
+          <p:nvPr/>
+        </p:nvSpPr>
+        <p:spPr>
+          <a:xfrm>
+            <a:off x="4980709" y="2771780"/>
+            <a:ext cx="4516581" cy="276999"/>
+          </a:xfrm>
+          <a:prstGeom prst="rect">
+            <a:avLst/>
+          </a:prstGeom>
+          <a:noFill/>
+        </p:spPr>
+        <p:txBody>
+          <a:bodyPr wrap="square">
+            <a:spAutoFit/>
+          </a:bodyPr>
+          <a:lstStyle/>
+          <a:p>
+            <a:r>
+              <a:rPr lang="en-US" sz="1200" dirty="0"/>
+              <a:t>https://www.geeksforgeeks.org/rebasing-of-branches-in-git/?ref=lbp</a:t>
+            </a:r>
+            <a:endParaRPr lang="ru-UA" sz="1200" dirty="0"/>
+          </a:p>
+        </p:txBody>
+      </p:sp>
+      <p:sp>
+        <p:nvSpPr>
+          <p:cNvPr id="15" name="TextBox 14">
+            <a:extLst>
+              <a:ext uri="{FF2B5EF4-FFF2-40B4-BE49-F238E27FC236}">
+                <a16:creationId xmlns:a16="http://schemas.microsoft.com/office/drawing/2014/main" id="{01BBD830-7DA7-EA92-AC62-BA3303AC1E0A}"/>
+              </a:ext>
+            </a:extLst>
+          </p:cNvPr>
+          <p:cNvSpPr txBox="1"/>
+          <p:nvPr/>
+        </p:nvSpPr>
+        <p:spPr>
+          <a:xfrm>
+            <a:off x="4216526" y="3188722"/>
+            <a:ext cx="7712238" cy="1169551"/>
+          </a:xfrm>
+          <a:prstGeom prst="rect">
+            <a:avLst/>
+          </a:prstGeom>
+          <a:noFill/>
+        </p:spPr>
+        <p:txBody>
+          <a:bodyPr wrap="square">
+            <a:spAutoFit/>
+          </a:bodyPr>
+          <a:lstStyle/>
+          <a:p>
+            <a:r>
+              <a:rPr lang="en-US" sz="1400" dirty="0"/>
+              <a:t>git cherry-pick in git means choosing a commit from one branch and applying it to another branch. This is in contrast with other ways such as merge and rebases which normally apply many commits into another branch.</a:t>
+            </a:r>
+          </a:p>
+          <a:p>
+            <a:r>
+              <a:rPr lang="en-US" sz="1400" dirty="0"/>
+              <a:t>git cherry-pick is just like rebasing, an advanced concept and also a powerful command. It is mainly used if you don’t want to merge the whole branch and you want some of the commits.</a:t>
+            </a:r>
+            <a:endParaRPr lang="ru-UA" sz="1400" dirty="0"/>
+          </a:p>
+        </p:txBody>
+      </p:sp>
+      <p:sp>
+        <p:nvSpPr>
+          <p:cNvPr id="19" name="TextBox 18">
+            <a:extLst>
+              <a:ext uri="{FF2B5EF4-FFF2-40B4-BE49-F238E27FC236}">
+                <a16:creationId xmlns:a16="http://schemas.microsoft.com/office/drawing/2014/main" id="{861AE8F5-F55B-71B1-4313-5A0B8FC002D1}"/>
+              </a:ext>
+            </a:extLst>
+          </p:cNvPr>
+          <p:cNvSpPr txBox="1"/>
+          <p:nvPr/>
+        </p:nvSpPr>
+        <p:spPr>
+          <a:xfrm>
+            <a:off x="4240518" y="4347066"/>
+            <a:ext cx="7688245" cy="954107"/>
+          </a:xfrm>
+          <a:prstGeom prst="rect">
+            <a:avLst/>
+          </a:prstGeom>
+          <a:noFill/>
+        </p:spPr>
+        <p:txBody>
+          <a:bodyPr wrap="square">
+            <a:spAutoFit/>
+          </a:bodyPr>
+          <a:lstStyle/>
+          <a:p>
+            <a:r>
+              <a:rPr lang="en-US" sz="1400" dirty="0"/>
+              <a:t>Suppose a developer fails to recognize which branch he is currently on, and by mistake, he commits to another branch instead of committing to the main branch. Now to fix it, he has to first run git show, then save the commit, check out the main branch, apply a patch there, and commit with the same commit message. But all this can be done automatically by using just one command i.e. cherry-pick.</a:t>
+            </a:r>
+            <a:endParaRPr lang="ru-UA" sz="1400" dirty="0"/>
+          </a:p>
+        </p:txBody>
+      </p:sp>
+      <p:sp>
+        <p:nvSpPr>
+          <p:cNvPr id="21" name="TextBox 20">
+            <a:extLst>
+              <a:ext uri="{FF2B5EF4-FFF2-40B4-BE49-F238E27FC236}">
+                <a16:creationId xmlns:a16="http://schemas.microsoft.com/office/drawing/2014/main" id="{83161082-5E59-58F0-8F69-6B6298ACFA36}"/>
+              </a:ext>
+            </a:extLst>
+          </p:cNvPr>
+          <p:cNvSpPr txBox="1"/>
+          <p:nvPr/>
+        </p:nvSpPr>
+        <p:spPr>
+          <a:xfrm>
+            <a:off x="5216235" y="5436381"/>
+            <a:ext cx="4045527" cy="276999"/>
+          </a:xfrm>
+          <a:prstGeom prst="rect">
+            <a:avLst/>
+          </a:prstGeom>
+          <a:noFill/>
+        </p:spPr>
+        <p:txBody>
+          <a:bodyPr wrap="square">
+            <a:spAutoFit/>
+          </a:bodyPr>
+          <a:lstStyle/>
+          <a:p>
+            <a:r>
+              <a:rPr lang="ru-UA" sz="1200" dirty="0"/>
+              <a:t>https://www.geeksforgeeks.org/git-cherry-pick/?ref=lbp</a:t>
+            </a:r>
+          </a:p>
+        </p:txBody>
+      </p:sp>
+    </p:spTree>
+    <p:extLst>
+      <p:ext uri="{BB962C8B-B14F-4D97-AF65-F5344CB8AC3E}">
+        <p14:creationId xmlns:p14="http://schemas.microsoft.com/office/powerpoint/2010/main" val="256048852"/>
+      </p:ext>
+    </p:extLst>
+  </p:cSld>
+  <p:clrMapOvr>
+    <a:masterClrMapping/>
+  </p:clrMapOvr>
+</p:sld>
+</file>
+
+<file path=ppt/slides/slide23.xml><?xml version="1.0" encoding="utf-8"?>
+<p:sld xmlns:a="http://schemas.openxmlformats.org/drawingml/2006/main" xmlns:r="http://schemas.openxmlformats.org/officeDocument/2006/relationships" xmlns:p="http://schemas.openxmlformats.org/presentationml/2006/main">
+  <p:cSld>
+    <p:bg>
+      <p:bgPr>
+        <a:solidFill>
+          <a:schemeClr val="bg1"/>
+        </a:solidFill>
+        <a:effectLst/>
+      </p:bgPr>
+    </p:bg>
+    <p:spTree>
+      <p:nvGrpSpPr>
+        <p:cNvPr id="1" name=""/>
+        <p:cNvGrpSpPr/>
+        <p:nvPr/>
+      </p:nvGrpSpPr>
+      <p:grpSpPr>
+        <a:xfrm>
+          <a:off x="0" y="0"/>
+          <a:ext cx="0" cy="0"/>
+          <a:chOff x="0" y="0"/>
+          <a:chExt cx="0" cy="0"/>
+        </a:xfrm>
+      </p:grpSpPr>
+      <p:sp>
+        <p:nvSpPr>
+          <p:cNvPr id="13" name="Down Arrow 7">
+            <a:extLst>
+              <a:ext uri="{FF2B5EF4-FFF2-40B4-BE49-F238E27FC236}">
+                <a16:creationId xmlns:a16="http://schemas.microsoft.com/office/drawing/2014/main" id="{D4771268-CB57-404A-9271-370EB28F6090}"/>
+              </a:ext>
+              <a:ext uri="{C183D7F6-B498-43B3-948B-1728B52AA6E4}">
+                <adec:decorative xmlns:adec="http://schemas.microsoft.com/office/drawing/2017/decorative" val="1"/>
+              </a:ext>
+            </a:extLst>
+          </p:cNvPr>
+          <p:cNvSpPr>
+            <a:spLocks noGrp="1" noRot="1" noChangeAspect="1" noMove="1" noResize="1" noEditPoints="1" noAdjustHandles="1" noChangeArrowheads="1" noChangeShapeType="1" noTextEdit="1"/>
+          </p:cNvSpPr>
+          <p:nvPr>
+            <p:extLst>
+              <p:ext uri="{386F3935-93C4-4BCD-93E2-E3B085C9AB24}">
+                <p16:designElem xmlns:p16="http://schemas.microsoft.com/office/powerpoint/2015/main" val="1"/>
+              </p:ext>
+            </p:extLst>
+          </p:nvPr>
+        </p:nvSpPr>
+        <p:spPr>
+          <a:xfrm rot="16200000">
+            <a:off x="800100" y="1491343"/>
+            <a:ext cx="3333749" cy="3499103"/>
+          </a:xfrm>
+          <a:prstGeom prst="downArrow">
+            <a:avLst>
+              <a:gd name="adj1" fmla="val 100000"/>
+              <a:gd name="adj2" fmla="val 15788"/>
+            </a:avLst>
+          </a:prstGeom>
+          <a:solidFill>
+            <a:srgbClr val="404040"/>
+          </a:solidFill>
+          <a:ln w="53975">
+            <a:noFill/>
+          </a:ln>
+        </p:spPr>
+        <p:style>
+          <a:lnRef idx="2">
+            <a:schemeClr val="accent1">
+              <a:shade val="50000"/>
+            </a:schemeClr>
+          </a:lnRef>
+          <a:fillRef idx="1">
+            <a:schemeClr val="accent1"/>
+          </a:fillRef>
+          <a:effectRef idx="0">
+            <a:schemeClr val="accent1"/>
+          </a:effectRef>
+          <a:fontRef idx="minor">
+            <a:schemeClr val="lt1"/>
+          </a:fontRef>
+        </p:style>
+        <p:txBody>
+          <a:bodyPr rtlCol="0" anchor="ctr"/>
+          <a:lstStyle/>
+          <a:p>
+            <a:pPr algn="ctr"/>
+            <a:endParaRPr lang="en-US"/>
+          </a:p>
+        </p:txBody>
+      </p:sp>
+      <p:sp>
+        <p:nvSpPr>
+          <p:cNvPr id="2" name="Title 1">
+            <a:extLst>
+              <a:ext uri="{FF2B5EF4-FFF2-40B4-BE49-F238E27FC236}">
+                <a16:creationId xmlns:a16="http://schemas.microsoft.com/office/drawing/2014/main" id="{53C5D828-9666-E312-B574-9FE965A7D6BE}"/>
+              </a:ext>
+            </a:extLst>
+          </p:cNvPr>
+          <p:cNvSpPr>
+            <a:spLocks noGrp="1"/>
+          </p:cNvSpPr>
+          <p:nvPr>
+            <p:ph type="title"/>
+          </p:nvPr>
+        </p:nvSpPr>
+        <p:spPr>
+          <a:xfrm>
+            <a:off x="1028700" y="1967266"/>
+            <a:ext cx="2628900" cy="2547257"/>
+          </a:xfrm>
+          <a:noFill/>
+        </p:spPr>
+        <p:txBody>
+          <a:bodyPr vert="horz" lIns="91440" tIns="45720" rIns="91440" bIns="45720" rtlCol="0" anchor="ctr">
+            <a:normAutofit/>
+          </a:bodyPr>
+          <a:lstStyle/>
+          <a:p>
+            <a:pPr algn="ctr"/>
+            <a:r>
+              <a:rPr lang="en-US" sz="3600" kern="1200" dirty="0">
+                <a:solidFill>
+                  <a:srgbClr val="FFFFFF"/>
+                </a:solidFill>
+                <a:latin typeface="+mj-lt"/>
+                <a:ea typeface="+mj-ea"/>
+                <a:cs typeface="+mj-cs"/>
+              </a:rPr>
+              <a:t>Git: Best practice: commit</a:t>
+            </a:r>
+          </a:p>
+        </p:txBody>
+      </p:sp>
+      <p:sp>
+        <p:nvSpPr>
+          <p:cNvPr id="3" name="Footer Placeholder 2">
+            <a:extLst>
+              <a:ext uri="{FF2B5EF4-FFF2-40B4-BE49-F238E27FC236}">
+                <a16:creationId xmlns:a16="http://schemas.microsoft.com/office/drawing/2014/main" id="{5AA19FA0-A765-8169-03F1-928E3EF7B595}"/>
+              </a:ext>
+            </a:extLst>
+          </p:cNvPr>
+          <p:cNvSpPr>
+            <a:spLocks noGrp="1"/>
+          </p:cNvSpPr>
+          <p:nvPr>
+            <p:ph type="ftr" sz="quarter" idx="11"/>
+          </p:nvPr>
+        </p:nvSpPr>
+        <p:spPr>
+          <a:xfrm>
+            <a:off x="1028700" y="6356350"/>
+            <a:ext cx="6210300" cy="365125"/>
+          </a:xfrm>
+        </p:spPr>
+        <p:txBody>
+          <a:bodyPr vert="horz" lIns="91440" tIns="45720" rIns="91440" bIns="45720" rtlCol="0" anchor="ctr">
+            <a:normAutofit/>
+          </a:bodyPr>
+          <a:lstStyle/>
+          <a:p>
+            <a:pPr algn="l">
+              <a:spcAft>
+                <a:spcPts val="600"/>
+              </a:spcAft>
+            </a:pPr>
+            <a:r>
+              <a:rPr lang="en-US" kern="1200">
+                <a:solidFill>
+                  <a:schemeClr val="tx1">
+                    <a:alpha val="80000"/>
+                  </a:schemeClr>
+                </a:solidFill>
+                <a:latin typeface="+mn-lt"/>
+                <a:ea typeface="+mn-ea"/>
+                <a:cs typeface="+mn-cs"/>
+              </a:rPr>
+              <a:t>Step 1 - Model - ver. 1</a:t>
+            </a:r>
+          </a:p>
+        </p:txBody>
+      </p:sp>
+      <p:sp>
+        <p:nvSpPr>
+          <p:cNvPr id="5" name="TextBox 4">
+            <a:extLst>
+              <a:ext uri="{FF2B5EF4-FFF2-40B4-BE49-F238E27FC236}">
+                <a16:creationId xmlns:a16="http://schemas.microsoft.com/office/drawing/2014/main" id="{07E1C3D5-78D2-A772-6854-E977E2250129}"/>
+              </a:ext>
+            </a:extLst>
+          </p:cNvPr>
+          <p:cNvSpPr txBox="1"/>
+          <p:nvPr/>
+        </p:nvSpPr>
+        <p:spPr>
+          <a:xfrm>
+            <a:off x="4269385" y="1255735"/>
+            <a:ext cx="7412182" cy="3970318"/>
+          </a:xfrm>
+          <a:prstGeom prst="rect">
+            <a:avLst/>
+          </a:prstGeom>
+          <a:noFill/>
+        </p:spPr>
+        <p:txBody>
+          <a:bodyPr wrap="square">
+            <a:spAutoFit/>
+          </a:bodyPr>
+          <a:lstStyle/>
+          <a:p>
+            <a:r>
+              <a:rPr lang="en-US" dirty="0"/>
+              <a:t>Version control or source control is the practice of keeping track of changes that you had made to software code. Version control systems are the tools that help software teams manage changes to their source code. Version control software keeps track of every modification that you made to the code in a special kind of database. Version control software is the most important part of modern software developer practices. There are many version control software available in the market but the most commonly used version control software is Git.</a:t>
+            </a:r>
+          </a:p>
+          <a:p>
+            <a:endParaRPr lang="en-US" dirty="0"/>
+          </a:p>
+          <a:p>
+            <a:r>
+              <a:rPr lang="en-US" dirty="0"/>
+              <a:t>In Git, we use the commit command to save changes to our repository after staging. In other words, git commit creates a commit, which is like a snapshot of your entire repository at a specific time. When you make a commit you have to add a commit message to it so that it can help you to identify a specific commit whenever there is a need of it in the future.</a:t>
+            </a:r>
+            <a:endParaRPr lang="ru-UA" dirty="0"/>
+          </a:p>
+        </p:txBody>
+      </p:sp>
+      <p:sp>
+        <p:nvSpPr>
+          <p:cNvPr id="8" name="TextBox 7">
+            <a:extLst>
+              <a:ext uri="{FF2B5EF4-FFF2-40B4-BE49-F238E27FC236}">
+                <a16:creationId xmlns:a16="http://schemas.microsoft.com/office/drawing/2014/main" id="{ED6D8477-46D1-2AD4-9064-76BCDF9F1B32}"/>
+              </a:ext>
+            </a:extLst>
+          </p:cNvPr>
+          <p:cNvSpPr txBox="1"/>
+          <p:nvPr/>
+        </p:nvSpPr>
+        <p:spPr>
+          <a:xfrm>
+            <a:off x="3422073" y="5619300"/>
+            <a:ext cx="6096000" cy="276999"/>
+          </a:xfrm>
+          <a:prstGeom prst="rect">
+            <a:avLst/>
+          </a:prstGeom>
+          <a:noFill/>
+        </p:spPr>
+        <p:txBody>
+          <a:bodyPr wrap="square">
+            <a:spAutoFit/>
+          </a:bodyPr>
+          <a:lstStyle/>
+          <a:p>
+            <a:r>
+              <a:rPr lang="en-US" sz="1200" dirty="0"/>
+              <a:t>https://www.geeksforgeeks.org/how-to-write-good-commit-messages-in-github/?ref=lbp</a:t>
+            </a:r>
+            <a:endParaRPr lang="ru-UA" sz="1200" dirty="0"/>
+          </a:p>
+        </p:txBody>
+      </p:sp>
+    </p:spTree>
+    <p:extLst>
+      <p:ext uri="{BB962C8B-B14F-4D97-AF65-F5344CB8AC3E}">
+        <p14:creationId xmlns:p14="http://schemas.microsoft.com/office/powerpoint/2010/main" val="3058822169"/>
+      </p:ext>
+    </p:extLst>
+  </p:cSld>
+  <p:clrMapOvr>
+    <a:masterClrMapping/>
+  </p:clrMapOvr>
+</p:sld>
+</file>
+
+<file path=ppt/slides/slide24.xml><?xml version="1.0" encoding="utf-8"?>
+<p:sld xmlns:a="http://schemas.openxmlformats.org/drawingml/2006/main" xmlns:r="http://schemas.openxmlformats.org/officeDocument/2006/relationships" xmlns:p="http://schemas.openxmlformats.org/presentationml/2006/main">
+  <p:cSld>
+    <p:bg>
+      <p:bgPr>
+        <a:solidFill>
+          <a:schemeClr val="bg1"/>
+        </a:solidFill>
+        <a:effectLst/>
+      </p:bgPr>
+    </p:bg>
+    <p:spTree>
+      <p:nvGrpSpPr>
+        <p:cNvPr id="1" name=""/>
+        <p:cNvGrpSpPr/>
+        <p:nvPr/>
+      </p:nvGrpSpPr>
+      <p:grpSpPr>
+        <a:xfrm>
+          <a:off x="0" y="0"/>
+          <a:ext cx="0" cy="0"/>
+          <a:chOff x="0" y="0"/>
+          <a:chExt cx="0" cy="0"/>
+        </a:xfrm>
+      </p:grpSpPr>
+      <p:sp>
+        <p:nvSpPr>
+          <p:cNvPr id="13" name="Down Arrow 7">
+            <a:extLst>
+              <a:ext uri="{FF2B5EF4-FFF2-40B4-BE49-F238E27FC236}">
+                <a16:creationId xmlns:a16="http://schemas.microsoft.com/office/drawing/2014/main" id="{D4771268-CB57-404A-9271-370EB28F6090}"/>
+              </a:ext>
+              <a:ext uri="{C183D7F6-B498-43B3-948B-1728B52AA6E4}">
+                <adec:decorative xmlns:adec="http://schemas.microsoft.com/office/drawing/2017/decorative" val="1"/>
+              </a:ext>
+            </a:extLst>
+          </p:cNvPr>
+          <p:cNvSpPr>
+            <a:spLocks noGrp="1" noRot="1" noChangeAspect="1" noMove="1" noResize="1" noEditPoints="1" noAdjustHandles="1" noChangeArrowheads="1" noChangeShapeType="1" noTextEdit="1"/>
+          </p:cNvSpPr>
+          <p:nvPr>
+            <p:extLst>
+              <p:ext uri="{386F3935-93C4-4BCD-93E2-E3B085C9AB24}">
+                <p16:designElem xmlns:p16="http://schemas.microsoft.com/office/powerpoint/2015/main" val="1"/>
+              </p:ext>
+            </p:extLst>
+          </p:nvPr>
+        </p:nvSpPr>
+        <p:spPr>
+          <a:xfrm rot="16200000">
+            <a:off x="800100" y="1491343"/>
+            <a:ext cx="3333749" cy="3499103"/>
+          </a:xfrm>
+          <a:prstGeom prst="downArrow">
+            <a:avLst>
+              <a:gd name="adj1" fmla="val 100000"/>
+              <a:gd name="adj2" fmla="val 15788"/>
+            </a:avLst>
+          </a:prstGeom>
+          <a:solidFill>
+            <a:srgbClr val="404040"/>
+          </a:solidFill>
+          <a:ln w="53975">
+            <a:noFill/>
+          </a:ln>
+        </p:spPr>
+        <p:style>
+          <a:lnRef idx="2">
+            <a:schemeClr val="accent1">
+              <a:shade val="50000"/>
+            </a:schemeClr>
+          </a:lnRef>
+          <a:fillRef idx="1">
+            <a:schemeClr val="accent1"/>
+          </a:fillRef>
+          <a:effectRef idx="0">
+            <a:schemeClr val="accent1"/>
+          </a:effectRef>
+          <a:fontRef idx="minor">
+            <a:schemeClr val="lt1"/>
+          </a:fontRef>
+        </p:style>
+        <p:txBody>
+          <a:bodyPr rtlCol="0" anchor="ctr"/>
+          <a:lstStyle/>
+          <a:p>
+            <a:pPr algn="ctr"/>
+            <a:endParaRPr lang="en-US"/>
+          </a:p>
+        </p:txBody>
+      </p:sp>
+      <p:sp>
+        <p:nvSpPr>
+          <p:cNvPr id="2" name="Title 1">
+            <a:extLst>
+              <a:ext uri="{FF2B5EF4-FFF2-40B4-BE49-F238E27FC236}">
+                <a16:creationId xmlns:a16="http://schemas.microsoft.com/office/drawing/2014/main" id="{53C5D828-9666-E312-B574-9FE965A7D6BE}"/>
+              </a:ext>
+            </a:extLst>
+          </p:cNvPr>
+          <p:cNvSpPr>
+            <a:spLocks noGrp="1"/>
+          </p:cNvSpPr>
+          <p:nvPr>
+            <p:ph type="title"/>
+          </p:nvPr>
+        </p:nvSpPr>
+        <p:spPr>
+          <a:xfrm>
+            <a:off x="1028700" y="1967266"/>
+            <a:ext cx="2393373" cy="2547257"/>
+          </a:xfrm>
+          <a:noFill/>
+        </p:spPr>
+        <p:txBody>
+          <a:bodyPr vert="horz" lIns="91440" tIns="45720" rIns="91440" bIns="45720" rtlCol="0" anchor="ctr">
+            <a:normAutofit/>
+          </a:bodyPr>
+          <a:lstStyle/>
+          <a:p>
+            <a:pPr algn="ctr"/>
+            <a:r>
+              <a:rPr lang="en-US" sz="3600" kern="1200" dirty="0">
+                <a:solidFill>
+                  <a:srgbClr val="FFFFFF"/>
+                </a:solidFill>
+                <a:latin typeface="+mj-lt"/>
+                <a:ea typeface="+mj-ea"/>
+                <a:cs typeface="+mj-cs"/>
+              </a:rPr>
+              <a:t>Git: Best practice: git-ignore</a:t>
+            </a:r>
+          </a:p>
+        </p:txBody>
+      </p:sp>
+      <p:sp>
+        <p:nvSpPr>
+          <p:cNvPr id="3" name="Footer Placeholder 2">
+            <a:extLst>
+              <a:ext uri="{FF2B5EF4-FFF2-40B4-BE49-F238E27FC236}">
+                <a16:creationId xmlns:a16="http://schemas.microsoft.com/office/drawing/2014/main" id="{5AA19FA0-A765-8169-03F1-928E3EF7B595}"/>
+              </a:ext>
+            </a:extLst>
+          </p:cNvPr>
+          <p:cNvSpPr>
+            <a:spLocks noGrp="1"/>
+          </p:cNvSpPr>
+          <p:nvPr>
+            <p:ph type="ftr" sz="quarter" idx="11"/>
+          </p:nvPr>
+        </p:nvSpPr>
+        <p:spPr>
+          <a:xfrm>
+            <a:off x="1028700" y="6356350"/>
+            <a:ext cx="6210300" cy="365125"/>
+          </a:xfrm>
+        </p:spPr>
+        <p:txBody>
+          <a:bodyPr vert="horz" lIns="91440" tIns="45720" rIns="91440" bIns="45720" rtlCol="0" anchor="ctr">
+            <a:normAutofit/>
+          </a:bodyPr>
+          <a:lstStyle/>
+          <a:p>
+            <a:pPr algn="l">
+              <a:spcAft>
+                <a:spcPts val="600"/>
+              </a:spcAft>
+            </a:pPr>
+            <a:r>
+              <a:rPr lang="en-US" kern="1200">
+                <a:solidFill>
+                  <a:schemeClr val="tx1">
+                    <a:alpha val="80000"/>
+                  </a:schemeClr>
+                </a:solidFill>
+                <a:latin typeface="+mn-lt"/>
+                <a:ea typeface="+mn-ea"/>
+                <a:cs typeface="+mn-cs"/>
+              </a:rPr>
+              <a:t>Step 1 - Model - ver. 1</a:t>
+            </a:r>
+          </a:p>
+        </p:txBody>
+      </p:sp>
+      <p:sp>
+        <p:nvSpPr>
+          <p:cNvPr id="6" name="TextBox 5">
+            <a:extLst>
+              <a:ext uri="{FF2B5EF4-FFF2-40B4-BE49-F238E27FC236}">
+                <a16:creationId xmlns:a16="http://schemas.microsoft.com/office/drawing/2014/main" id="{76465CA7-4D10-1A4C-BD3F-E0171D673D59}"/>
+              </a:ext>
+            </a:extLst>
+          </p:cNvPr>
+          <p:cNvSpPr txBox="1"/>
+          <p:nvPr/>
+        </p:nvSpPr>
+        <p:spPr>
+          <a:xfrm>
+            <a:off x="4927476" y="1117235"/>
+            <a:ext cx="6096000" cy="4247317"/>
+          </a:xfrm>
+          <a:prstGeom prst="rect">
+            <a:avLst/>
+          </a:prstGeom>
+          <a:noFill/>
+        </p:spPr>
+        <p:txBody>
+          <a:bodyPr wrap="square">
+            <a:spAutoFit/>
+          </a:bodyPr>
+          <a:lstStyle/>
+          <a:p>
+            <a:r>
+              <a:rPr lang="en-US" dirty="0" err="1"/>
+              <a:t>Gitignore</a:t>
+            </a:r>
+            <a:endParaRPr lang="en-US" dirty="0"/>
+          </a:p>
+          <a:p>
+            <a:endParaRPr lang="en-US" dirty="0"/>
+          </a:p>
+          <a:p>
+            <a:r>
+              <a:rPr lang="en-US" dirty="0"/>
+              <a:t>.</a:t>
+            </a:r>
+            <a:r>
+              <a:rPr lang="en-US" dirty="0" err="1"/>
+              <a:t>gitignore</a:t>
+            </a:r>
+            <a:r>
+              <a:rPr lang="en-US" dirty="0"/>
+              <a:t> file is used in a git repository to ignore the files and directories which are unnecessary to project this will be ignored by the git once the changes as been committed to the Remote repository. The type of files which will gets ignored are the mainly temporary files and the files which should not be versioned.</a:t>
+            </a:r>
+          </a:p>
+          <a:p>
+            <a:endParaRPr lang="en-US" dirty="0"/>
+          </a:p>
+          <a:p>
+            <a:r>
+              <a:rPr lang="en-US" dirty="0" err="1"/>
+              <a:t>gitignore</a:t>
+            </a:r>
+            <a:r>
+              <a:rPr lang="en-US" dirty="0"/>
+              <a:t> File (.</a:t>
+            </a:r>
+            <a:r>
+              <a:rPr lang="en-US" dirty="0" err="1"/>
+              <a:t>gitignore</a:t>
+            </a:r>
+            <a:r>
+              <a:rPr lang="en-US" dirty="0"/>
+              <a:t>)</a:t>
+            </a:r>
+          </a:p>
+          <a:p>
+            <a:endParaRPr lang="en-US" dirty="0"/>
+          </a:p>
+          <a:p>
+            <a:r>
+              <a:rPr lang="en-US" dirty="0"/>
+              <a:t>When the git commits are pushed to </a:t>
+            </a:r>
+            <a:r>
+              <a:rPr lang="en-US" dirty="0" err="1"/>
+              <a:t>to</a:t>
+            </a:r>
+            <a:r>
+              <a:rPr lang="en-US" dirty="0"/>
+              <a:t> the remote repository to want to ignore some files then we will use .</a:t>
+            </a:r>
+            <a:r>
+              <a:rPr lang="en-US" dirty="0" err="1"/>
+              <a:t>gitignore</a:t>
+            </a:r>
+            <a:r>
+              <a:rPr lang="en-US" dirty="0"/>
+              <a:t> file is a text file that specifies which files and directories Git should ignore. Which will reduce the size of the repository. </a:t>
+            </a:r>
+            <a:endParaRPr lang="ru-UA" dirty="0"/>
+          </a:p>
+        </p:txBody>
+      </p:sp>
+      <p:sp>
+        <p:nvSpPr>
+          <p:cNvPr id="9" name="TextBox 8">
+            <a:extLst>
+              <a:ext uri="{FF2B5EF4-FFF2-40B4-BE49-F238E27FC236}">
+                <a16:creationId xmlns:a16="http://schemas.microsoft.com/office/drawing/2014/main" id="{4394F1BA-173E-28DB-8A5C-D918B6A46114}"/>
+              </a:ext>
+            </a:extLst>
+          </p:cNvPr>
+          <p:cNvSpPr txBox="1"/>
+          <p:nvPr/>
+        </p:nvSpPr>
+        <p:spPr>
+          <a:xfrm>
+            <a:off x="3754581" y="5622568"/>
+            <a:ext cx="6096000" cy="276999"/>
+          </a:xfrm>
+          <a:prstGeom prst="rect">
+            <a:avLst/>
+          </a:prstGeom>
+          <a:noFill/>
+        </p:spPr>
+        <p:txBody>
+          <a:bodyPr wrap="square">
+            <a:spAutoFit/>
+          </a:bodyPr>
+          <a:lstStyle/>
+          <a:p>
+            <a:r>
+              <a:rPr lang="en-US" sz="1200" dirty="0"/>
+              <a:t>https://www.geeksforgeeks.org/what-is-git-ignore-and-how-to-use-it/?ref=lbp</a:t>
+            </a:r>
+            <a:endParaRPr lang="ru-UA" sz="1200" dirty="0"/>
+          </a:p>
+        </p:txBody>
+      </p:sp>
+    </p:spTree>
+    <p:extLst>
+      <p:ext uri="{BB962C8B-B14F-4D97-AF65-F5344CB8AC3E}">
+        <p14:creationId xmlns:p14="http://schemas.microsoft.com/office/powerpoint/2010/main" val="2161065627"/>
       </p:ext>
     </p:extLst>
   </p:cSld>
